--- a/figure_preparation.pptx
+++ b/figure_preparation.pptx
@@ -7,6 +7,9 @@
   <p:sldIdLst>
     <p:sldId id="256" r:id="rId2"/>
     <p:sldId id="257" r:id="rId3"/>
+    <p:sldId id="258" r:id="rId4"/>
+    <p:sldId id="259" r:id="rId5"/>
+    <p:sldId id="260" r:id="rId6"/>
   </p:sldIdLst>
   <p:sldSz cx="12192000" cy="6858000"/>
   <p:notesSz cx="6858000" cy="9144000"/>
@@ -3625,10 +3628,9 @@
             <a:p>
               <a:pPr algn="ctr"/>
               <a:r>
-                <a:rPr lang="en-US" sz="2800"/>
+                <a:rPr lang="en-US" sz="2800" dirty="0"/>
                 <a:t>algorithm space</a:t>
               </a:r>
-              <a:endParaRPr lang="en-US" sz="2800" dirty="0"/>
             </a:p>
           </p:txBody>
         </p:sp>
@@ -4746,6 +4748,3650 @@
     <p:extLst>
       <p:ext uri="{BB962C8B-B14F-4D97-AF65-F5344CB8AC3E}">
         <p14:creationId xmlns:p14="http://schemas.microsoft.com/office/powerpoint/2010/main" val="3178529846"/>
+      </p:ext>
+    </p:extLst>
+  </p:cSld>
+  <p:clrMapOvr>
+    <a:masterClrMapping/>
+  </p:clrMapOvr>
+</p:sld>
+</file>
+
+<file path=ppt/slides/slide3.xml><?xml version="1.0" encoding="utf-8"?>
+<p:sld xmlns:a="http://schemas.openxmlformats.org/drawingml/2006/main" xmlns:r="http://schemas.openxmlformats.org/officeDocument/2006/relationships" xmlns:p="http://schemas.openxmlformats.org/presentationml/2006/main">
+  <p:cSld>
+    <p:spTree>
+      <p:nvGrpSpPr>
+        <p:cNvPr id="1" name=""/>
+        <p:cNvGrpSpPr/>
+        <p:nvPr/>
+      </p:nvGrpSpPr>
+      <p:grpSpPr>
+        <a:xfrm>
+          <a:off x="0" y="0"/>
+          <a:ext cx="0" cy="0"/>
+          <a:chOff x="0" y="0"/>
+          <a:chExt cx="0" cy="0"/>
+        </a:xfrm>
+      </p:grpSpPr>
+      <p:grpSp>
+        <p:nvGrpSpPr>
+          <p:cNvPr id="9" name="Group 8">
+            <a:extLst>
+              <a:ext uri="{FF2B5EF4-FFF2-40B4-BE49-F238E27FC236}">
+                <a16:creationId xmlns:a16="http://schemas.microsoft.com/office/drawing/2014/main" id="{B9A51E66-9247-459A-B64F-16E3AD6DCF0D}"/>
+              </a:ext>
+            </a:extLst>
+          </p:cNvPr>
+          <p:cNvGrpSpPr/>
+          <p:nvPr/>
+        </p:nvGrpSpPr>
+        <p:grpSpPr>
+          <a:xfrm>
+            <a:off x="870012" y="710214"/>
+            <a:ext cx="2539013" cy="1118585"/>
+            <a:chOff x="870012" y="710214"/>
+            <a:chExt cx="2618912" cy="1269506"/>
+          </a:xfrm>
+        </p:grpSpPr>
+        <p:sp>
+          <p:nvSpPr>
+            <p:cNvPr id="4" name="Rectangle 3">
+              <a:extLst>
+                <a:ext uri="{FF2B5EF4-FFF2-40B4-BE49-F238E27FC236}">
+                  <a16:creationId xmlns:a16="http://schemas.microsoft.com/office/drawing/2014/main" id="{2FB6FE31-1474-4C9E-B00A-B11A2B170350}"/>
+                </a:ext>
+              </a:extLst>
+            </p:cNvPr>
+            <p:cNvSpPr/>
+            <p:nvPr/>
+          </p:nvSpPr>
+          <p:spPr>
+            <a:xfrm>
+              <a:off x="870012" y="710214"/>
+              <a:ext cx="2618912" cy="1269506"/>
+            </a:xfrm>
+            <a:prstGeom prst="rect">
+              <a:avLst/>
+            </a:prstGeom>
+            <a:solidFill>
+              <a:schemeClr val="bg2">
+                <a:lumMod val="90000"/>
+              </a:schemeClr>
+            </a:solidFill>
+            <a:ln>
+              <a:solidFill>
+                <a:schemeClr val="bg1">
+                  <a:lumMod val="95000"/>
+                </a:schemeClr>
+              </a:solidFill>
+            </a:ln>
+          </p:spPr>
+          <p:style>
+            <a:lnRef idx="2">
+              <a:schemeClr val="accent1">
+                <a:shade val="50000"/>
+              </a:schemeClr>
+            </a:lnRef>
+            <a:fillRef idx="1">
+              <a:schemeClr val="accent1"/>
+            </a:fillRef>
+            <a:effectRef idx="0">
+              <a:schemeClr val="accent1"/>
+            </a:effectRef>
+            <a:fontRef idx="minor">
+              <a:schemeClr val="lt1"/>
+            </a:fontRef>
+          </p:style>
+          <p:txBody>
+            <a:bodyPr rtlCol="0" anchor="ctr"/>
+            <a:lstStyle/>
+            <a:p>
+              <a:pPr algn="ctr"/>
+              <a:endParaRPr lang="en-US"/>
+            </a:p>
+          </p:txBody>
+        </p:sp>
+        <p:sp>
+          <p:nvSpPr>
+            <p:cNvPr id="5" name="TextBox 4">
+              <a:extLst>
+                <a:ext uri="{FF2B5EF4-FFF2-40B4-BE49-F238E27FC236}">
+                  <a16:creationId xmlns:a16="http://schemas.microsoft.com/office/drawing/2014/main" id="{44C507EC-EABF-41C3-8306-7F07EB4FE004}"/>
+                </a:ext>
+              </a:extLst>
+            </p:cNvPr>
+            <p:cNvSpPr txBox="1"/>
+            <p:nvPr/>
+          </p:nvSpPr>
+          <p:spPr>
+            <a:xfrm>
+              <a:off x="1233994" y="867912"/>
+              <a:ext cx="1890943" cy="1082836"/>
+            </a:xfrm>
+            <a:prstGeom prst="rect">
+              <a:avLst/>
+            </a:prstGeom>
+            <a:noFill/>
+          </p:spPr>
+          <p:txBody>
+            <a:bodyPr wrap="square" rtlCol="0">
+              <a:spAutoFit/>
+            </a:bodyPr>
+            <a:lstStyle/>
+            <a:p>
+              <a:pPr algn="ctr"/>
+              <a:r>
+                <a:rPr lang="en-US" sz="2800" dirty="0"/>
+                <a:t>problem space</a:t>
+              </a:r>
+            </a:p>
+          </p:txBody>
+        </p:sp>
+      </p:grpSp>
+      <p:grpSp>
+        <p:nvGrpSpPr>
+          <p:cNvPr id="8" name="Group 7">
+            <a:extLst>
+              <a:ext uri="{FF2B5EF4-FFF2-40B4-BE49-F238E27FC236}">
+                <a16:creationId xmlns:a16="http://schemas.microsoft.com/office/drawing/2014/main" id="{DB6A6962-9328-4941-B121-09737F8A8E61}"/>
+              </a:ext>
+            </a:extLst>
+          </p:cNvPr>
+          <p:cNvGrpSpPr/>
+          <p:nvPr/>
+        </p:nvGrpSpPr>
+        <p:grpSpPr>
+          <a:xfrm>
+            <a:off x="870012" y="2794247"/>
+            <a:ext cx="2539013" cy="1118585"/>
+            <a:chOff x="870012" y="3330606"/>
+            <a:chExt cx="2618912" cy="1269506"/>
+          </a:xfrm>
+        </p:grpSpPr>
+        <p:sp>
+          <p:nvSpPr>
+            <p:cNvPr id="6" name="Rectangle 5">
+              <a:extLst>
+                <a:ext uri="{FF2B5EF4-FFF2-40B4-BE49-F238E27FC236}">
+                  <a16:creationId xmlns:a16="http://schemas.microsoft.com/office/drawing/2014/main" id="{7D5F2573-39FE-4BA4-9CC1-92A92F8BCE07}"/>
+                </a:ext>
+              </a:extLst>
+            </p:cNvPr>
+            <p:cNvSpPr/>
+            <p:nvPr/>
+          </p:nvSpPr>
+          <p:spPr>
+            <a:xfrm>
+              <a:off x="870012" y="3330606"/>
+              <a:ext cx="2618912" cy="1269506"/>
+            </a:xfrm>
+            <a:prstGeom prst="rect">
+              <a:avLst/>
+            </a:prstGeom>
+            <a:solidFill>
+              <a:schemeClr val="bg2">
+                <a:lumMod val="90000"/>
+              </a:schemeClr>
+            </a:solidFill>
+            <a:ln>
+              <a:solidFill>
+                <a:schemeClr val="bg2">
+                  <a:lumMod val="90000"/>
+                </a:schemeClr>
+              </a:solidFill>
+            </a:ln>
+          </p:spPr>
+          <p:style>
+            <a:lnRef idx="2">
+              <a:schemeClr val="accent1">
+                <a:shade val="50000"/>
+              </a:schemeClr>
+            </a:lnRef>
+            <a:fillRef idx="1">
+              <a:schemeClr val="accent1"/>
+            </a:fillRef>
+            <a:effectRef idx="0">
+              <a:schemeClr val="accent1"/>
+            </a:effectRef>
+            <a:fontRef idx="minor">
+              <a:schemeClr val="lt1"/>
+            </a:fontRef>
+          </p:style>
+          <p:txBody>
+            <a:bodyPr rtlCol="0" anchor="ctr"/>
+            <a:lstStyle/>
+            <a:p>
+              <a:pPr algn="ctr"/>
+              <a:endParaRPr lang="en-US" dirty="0"/>
+            </a:p>
+          </p:txBody>
+        </p:sp>
+        <p:sp>
+          <p:nvSpPr>
+            <p:cNvPr id="7" name="TextBox 6">
+              <a:extLst>
+                <a:ext uri="{FF2B5EF4-FFF2-40B4-BE49-F238E27FC236}">
+                  <a16:creationId xmlns:a16="http://schemas.microsoft.com/office/drawing/2014/main" id="{EDD801CF-94C8-48A7-8653-14E4D4CAA5D1}"/>
+                </a:ext>
+              </a:extLst>
+            </p:cNvPr>
+            <p:cNvSpPr txBox="1"/>
+            <p:nvPr/>
+          </p:nvSpPr>
+          <p:spPr>
+            <a:xfrm>
+              <a:off x="1136340" y="3488304"/>
+              <a:ext cx="2086253" cy="1082836"/>
+            </a:xfrm>
+            <a:prstGeom prst="rect">
+              <a:avLst/>
+            </a:prstGeom>
+            <a:noFill/>
+          </p:spPr>
+          <p:txBody>
+            <a:bodyPr wrap="square" rtlCol="0">
+              <a:spAutoFit/>
+            </a:bodyPr>
+            <a:lstStyle/>
+            <a:p>
+              <a:pPr algn="ctr"/>
+              <a:r>
+                <a:rPr lang="en-US" sz="2800" dirty="0"/>
+                <a:t>algorithm space</a:t>
+              </a:r>
+            </a:p>
+          </p:txBody>
+        </p:sp>
+      </p:grpSp>
+      <p:grpSp>
+        <p:nvGrpSpPr>
+          <p:cNvPr id="12" name="Group 11">
+            <a:extLst>
+              <a:ext uri="{FF2B5EF4-FFF2-40B4-BE49-F238E27FC236}">
+                <a16:creationId xmlns:a16="http://schemas.microsoft.com/office/drawing/2014/main" id="{48153331-C96D-4477-AD09-A2A5EB9181E7}"/>
+              </a:ext>
+            </a:extLst>
+          </p:cNvPr>
+          <p:cNvGrpSpPr/>
+          <p:nvPr/>
+        </p:nvGrpSpPr>
+        <p:grpSpPr>
+          <a:xfrm>
+            <a:off x="4731798" y="710214"/>
+            <a:ext cx="2308193" cy="1209582"/>
+            <a:chOff x="5344357" y="710214"/>
+            <a:chExt cx="2077375" cy="1269506"/>
+          </a:xfrm>
+        </p:grpSpPr>
+        <p:sp>
+          <p:nvSpPr>
+            <p:cNvPr id="10" name="TextBox 9">
+              <a:extLst>
+                <a:ext uri="{FF2B5EF4-FFF2-40B4-BE49-F238E27FC236}">
+                  <a16:creationId xmlns:a16="http://schemas.microsoft.com/office/drawing/2014/main" id="{ED3FDDCC-96BA-49B5-8FFE-4129D010391C}"/>
+                </a:ext>
+              </a:extLst>
+            </p:cNvPr>
+            <p:cNvSpPr txBox="1"/>
+            <p:nvPr/>
+          </p:nvSpPr>
+          <p:spPr>
+            <a:xfrm>
+              <a:off x="5344357" y="710214"/>
+              <a:ext cx="2077375" cy="1269506"/>
+            </a:xfrm>
+            <a:prstGeom prst="rect">
+              <a:avLst/>
+            </a:prstGeom>
+            <a:solidFill>
+              <a:schemeClr val="bg1">
+                <a:lumMod val="85000"/>
+              </a:schemeClr>
+            </a:solidFill>
+          </p:spPr>
+          <p:txBody>
+            <a:bodyPr wrap="square" rtlCol="0">
+              <a:spAutoFit/>
+            </a:bodyPr>
+            <a:lstStyle/>
+            <a:p>
+              <a:endParaRPr lang="en-US" dirty="0"/>
+            </a:p>
+          </p:txBody>
+        </p:sp>
+        <p:sp>
+          <p:nvSpPr>
+            <p:cNvPr id="11" name="TextBox 10">
+              <a:extLst>
+                <a:ext uri="{FF2B5EF4-FFF2-40B4-BE49-F238E27FC236}">
+                  <a16:creationId xmlns:a16="http://schemas.microsoft.com/office/drawing/2014/main" id="{05486F2F-8640-45E4-A42D-56BE8E3A2E51}"/>
+                </a:ext>
+              </a:extLst>
+            </p:cNvPr>
+            <p:cNvSpPr txBox="1"/>
+            <p:nvPr/>
+          </p:nvSpPr>
+          <p:spPr>
+            <a:xfrm>
+              <a:off x="5663954" y="874692"/>
+              <a:ext cx="1757778" cy="1001374"/>
+            </a:xfrm>
+            <a:prstGeom prst="rect">
+              <a:avLst/>
+            </a:prstGeom>
+            <a:noFill/>
+          </p:spPr>
+          <p:txBody>
+            <a:bodyPr wrap="square" rtlCol="0">
+              <a:spAutoFit/>
+            </a:bodyPr>
+            <a:lstStyle/>
+            <a:p>
+              <a:r>
+                <a:rPr lang="en-US" sz="2800" dirty="0"/>
+                <a:t>calculate features</a:t>
+              </a:r>
+            </a:p>
+          </p:txBody>
+        </p:sp>
+      </p:grpSp>
+      <p:grpSp>
+        <p:nvGrpSpPr>
+          <p:cNvPr id="15" name="Group 14">
+            <a:extLst>
+              <a:ext uri="{FF2B5EF4-FFF2-40B4-BE49-F238E27FC236}">
+                <a16:creationId xmlns:a16="http://schemas.microsoft.com/office/drawing/2014/main" id="{FBBDE58C-3AE5-4F20-AA80-630DF68B6753}"/>
+              </a:ext>
+            </a:extLst>
+          </p:cNvPr>
+          <p:cNvGrpSpPr/>
+          <p:nvPr/>
+        </p:nvGrpSpPr>
+        <p:grpSpPr>
+          <a:xfrm>
+            <a:off x="4731798" y="2794247"/>
+            <a:ext cx="2308194" cy="1209582"/>
+            <a:chOff x="5237825" y="2794247"/>
+            <a:chExt cx="2308194" cy="1269506"/>
+          </a:xfrm>
+          <a:solidFill>
+            <a:schemeClr val="bg2">
+              <a:lumMod val="90000"/>
+            </a:schemeClr>
+          </a:solidFill>
+        </p:grpSpPr>
+        <p:sp>
+          <p:nvSpPr>
+            <p:cNvPr id="13" name="Rectangle 12">
+              <a:extLst>
+                <a:ext uri="{FF2B5EF4-FFF2-40B4-BE49-F238E27FC236}">
+                  <a16:creationId xmlns:a16="http://schemas.microsoft.com/office/drawing/2014/main" id="{893BB0EC-2314-4569-9B68-2A7287BA39D5}"/>
+                </a:ext>
+              </a:extLst>
+            </p:cNvPr>
+            <p:cNvSpPr/>
+            <p:nvPr/>
+          </p:nvSpPr>
+          <p:spPr>
+            <a:xfrm>
+              <a:off x="5237825" y="2794247"/>
+              <a:ext cx="2308194" cy="1269506"/>
+            </a:xfrm>
+            <a:prstGeom prst="rect">
+              <a:avLst/>
+            </a:prstGeom>
+            <a:grpFill/>
+            <a:ln>
+              <a:solidFill>
+                <a:schemeClr val="bg2">
+                  <a:lumMod val="90000"/>
+                </a:schemeClr>
+              </a:solidFill>
+            </a:ln>
+          </p:spPr>
+          <p:style>
+            <a:lnRef idx="2">
+              <a:schemeClr val="accent1">
+                <a:shade val="50000"/>
+              </a:schemeClr>
+            </a:lnRef>
+            <a:fillRef idx="1">
+              <a:schemeClr val="accent1"/>
+            </a:fillRef>
+            <a:effectRef idx="0">
+              <a:schemeClr val="accent1"/>
+            </a:effectRef>
+            <a:fontRef idx="minor">
+              <a:schemeClr val="lt1"/>
+            </a:fontRef>
+          </p:style>
+          <p:txBody>
+            <a:bodyPr rtlCol="0" anchor="ctr"/>
+            <a:lstStyle/>
+            <a:p>
+              <a:pPr algn="ctr"/>
+              <a:endParaRPr lang="en-US"/>
+            </a:p>
+          </p:txBody>
+        </p:sp>
+        <p:sp>
+          <p:nvSpPr>
+            <p:cNvPr id="14" name="TextBox 13">
+              <a:extLst>
+                <a:ext uri="{FF2B5EF4-FFF2-40B4-BE49-F238E27FC236}">
+                  <a16:creationId xmlns:a16="http://schemas.microsoft.com/office/drawing/2014/main" id="{088DE6D7-6BC3-40D9-AFAB-13C7BFD89D02}"/>
+                </a:ext>
+              </a:extLst>
+            </p:cNvPr>
+            <p:cNvSpPr txBox="1"/>
+            <p:nvPr/>
+          </p:nvSpPr>
+          <p:spPr>
+            <a:xfrm>
+              <a:off x="5344358" y="2951946"/>
+              <a:ext cx="2077374" cy="1001374"/>
+            </a:xfrm>
+            <a:prstGeom prst="rect">
+              <a:avLst/>
+            </a:prstGeom>
+            <a:grpFill/>
+            <a:ln>
+              <a:solidFill>
+                <a:schemeClr val="bg2">
+                  <a:lumMod val="90000"/>
+                </a:schemeClr>
+              </a:solidFill>
+            </a:ln>
+          </p:spPr>
+          <p:txBody>
+            <a:bodyPr wrap="square" rtlCol="0">
+              <a:spAutoFit/>
+            </a:bodyPr>
+            <a:lstStyle/>
+            <a:p>
+              <a:r>
+                <a:rPr lang="en-US" sz="2800" dirty="0"/>
+                <a:t>algorithm performance</a:t>
+              </a:r>
+            </a:p>
+          </p:txBody>
+        </p:sp>
+      </p:grpSp>
+      <p:grpSp>
+        <p:nvGrpSpPr>
+          <p:cNvPr id="19" name="Group 18">
+            <a:extLst>
+              <a:ext uri="{FF2B5EF4-FFF2-40B4-BE49-F238E27FC236}">
+                <a16:creationId xmlns:a16="http://schemas.microsoft.com/office/drawing/2014/main" id="{4263E621-3D28-4626-BC47-9FA959102291}"/>
+              </a:ext>
+            </a:extLst>
+          </p:cNvPr>
+          <p:cNvGrpSpPr/>
+          <p:nvPr/>
+        </p:nvGrpSpPr>
+        <p:grpSpPr>
+          <a:xfrm>
+            <a:off x="8575830" y="866928"/>
+            <a:ext cx="2746157" cy="2986645"/>
+            <a:chOff x="9179512" y="1287262"/>
+            <a:chExt cx="2308194" cy="2343705"/>
+          </a:xfrm>
+          <a:solidFill>
+            <a:schemeClr val="bg2">
+              <a:lumMod val="90000"/>
+            </a:schemeClr>
+          </a:solidFill>
+        </p:grpSpPr>
+        <p:sp>
+          <p:nvSpPr>
+            <p:cNvPr id="17" name="Oval 16">
+              <a:extLst>
+                <a:ext uri="{FF2B5EF4-FFF2-40B4-BE49-F238E27FC236}">
+                  <a16:creationId xmlns:a16="http://schemas.microsoft.com/office/drawing/2014/main" id="{A61AE73F-F0D2-4030-A171-14D53DC8BEC9}"/>
+                </a:ext>
+              </a:extLst>
+            </p:cNvPr>
+            <p:cNvSpPr/>
+            <p:nvPr/>
+          </p:nvSpPr>
+          <p:spPr>
+            <a:xfrm>
+              <a:off x="9179512" y="1287262"/>
+              <a:ext cx="2308194" cy="2343705"/>
+            </a:xfrm>
+            <a:prstGeom prst="ellipse">
+              <a:avLst/>
+            </a:prstGeom>
+            <a:grpFill/>
+            <a:ln>
+              <a:solidFill>
+                <a:schemeClr val="bg2">
+                  <a:lumMod val="90000"/>
+                </a:schemeClr>
+              </a:solidFill>
+            </a:ln>
+          </p:spPr>
+          <p:style>
+            <a:lnRef idx="2">
+              <a:schemeClr val="accent1">
+                <a:shade val="50000"/>
+              </a:schemeClr>
+            </a:lnRef>
+            <a:fillRef idx="1">
+              <a:schemeClr val="accent1"/>
+            </a:fillRef>
+            <a:effectRef idx="0">
+              <a:schemeClr val="accent1"/>
+            </a:effectRef>
+            <a:fontRef idx="minor">
+              <a:schemeClr val="lt1"/>
+            </a:fontRef>
+          </p:style>
+          <p:txBody>
+            <a:bodyPr rtlCol="0" anchor="ctr"/>
+            <a:lstStyle/>
+            <a:p>
+              <a:pPr algn="ctr"/>
+              <a:endParaRPr lang="en-US" dirty="0"/>
+            </a:p>
+          </p:txBody>
+        </p:sp>
+        <p:sp>
+          <p:nvSpPr>
+            <p:cNvPr id="18" name="TextBox 17">
+              <a:extLst>
+                <a:ext uri="{FF2B5EF4-FFF2-40B4-BE49-F238E27FC236}">
+                  <a16:creationId xmlns:a16="http://schemas.microsoft.com/office/drawing/2014/main" id="{1416F813-9294-4944-9AF4-A988DE6CD513}"/>
+                </a:ext>
+              </a:extLst>
+            </p:cNvPr>
+            <p:cNvSpPr txBox="1"/>
+            <p:nvPr/>
+          </p:nvSpPr>
+          <p:spPr>
+            <a:xfrm>
+              <a:off x="9825373" y="1966466"/>
+              <a:ext cx="1510611" cy="845324"/>
+            </a:xfrm>
+            <a:prstGeom prst="rect">
+              <a:avLst/>
+            </a:prstGeom>
+            <a:grpFill/>
+            <a:ln>
+              <a:solidFill>
+                <a:schemeClr val="bg2">
+                  <a:lumMod val="90000"/>
+                </a:schemeClr>
+              </a:solidFill>
+            </a:ln>
+          </p:spPr>
+          <p:txBody>
+            <a:bodyPr wrap="square" rtlCol="0">
+              <a:spAutoFit/>
+            </a:bodyPr>
+            <a:lstStyle/>
+            <a:p>
+              <a:r>
+                <a:rPr lang="en-US" sz="3200" dirty="0"/>
+                <a:t>train a model</a:t>
+              </a:r>
+            </a:p>
+          </p:txBody>
+        </p:sp>
+      </p:grpSp>
+      <p:sp>
+        <p:nvSpPr>
+          <p:cNvPr id="20" name="Rectangle 19">
+            <a:extLst>
+              <a:ext uri="{FF2B5EF4-FFF2-40B4-BE49-F238E27FC236}">
+                <a16:creationId xmlns:a16="http://schemas.microsoft.com/office/drawing/2014/main" id="{4ED87076-4FB0-403C-AE2B-C9A2119FE4BB}"/>
+              </a:ext>
+            </a:extLst>
+          </p:cNvPr>
+          <p:cNvSpPr/>
+          <p:nvPr/>
+        </p:nvSpPr>
+        <p:spPr>
+          <a:xfrm>
+            <a:off x="8868792" y="4616388"/>
+            <a:ext cx="2429520" cy="861134"/>
+          </a:xfrm>
+          <a:prstGeom prst="rect">
+            <a:avLst/>
+          </a:prstGeom>
+          <a:solidFill>
+            <a:schemeClr val="accent2">
+              <a:lumMod val="60000"/>
+              <a:lumOff val="40000"/>
+            </a:schemeClr>
+          </a:solidFill>
+          <a:ln>
+            <a:solidFill>
+              <a:schemeClr val="accent2">
+                <a:lumMod val="60000"/>
+                <a:lumOff val="40000"/>
+              </a:schemeClr>
+            </a:solidFill>
+          </a:ln>
+        </p:spPr>
+        <p:style>
+          <a:lnRef idx="2">
+            <a:schemeClr val="accent1">
+              <a:shade val="50000"/>
+            </a:schemeClr>
+          </a:lnRef>
+          <a:fillRef idx="1">
+            <a:schemeClr val="accent1"/>
+          </a:fillRef>
+          <a:effectRef idx="0">
+            <a:schemeClr val="accent1"/>
+          </a:effectRef>
+          <a:fontRef idx="minor">
+            <a:schemeClr val="lt1"/>
+          </a:fontRef>
+        </p:style>
+        <p:txBody>
+          <a:bodyPr rtlCol="0" anchor="ctr"/>
+          <a:lstStyle/>
+          <a:p>
+            <a:pPr algn="ctr"/>
+            <a:endParaRPr lang="en-US"/>
+          </a:p>
+        </p:txBody>
+      </p:sp>
+      <p:sp>
+        <p:nvSpPr>
+          <p:cNvPr id="21" name="TextBox 20">
+            <a:extLst>
+              <a:ext uri="{FF2B5EF4-FFF2-40B4-BE49-F238E27FC236}">
+                <a16:creationId xmlns:a16="http://schemas.microsoft.com/office/drawing/2014/main" id="{A44FEF9B-3075-4D25-9078-F0E56ADA0640}"/>
+              </a:ext>
+            </a:extLst>
+          </p:cNvPr>
+          <p:cNvSpPr txBox="1"/>
+          <p:nvPr/>
+        </p:nvSpPr>
+        <p:spPr>
+          <a:xfrm>
+            <a:off x="9108489" y="4785345"/>
+            <a:ext cx="2189823" cy="523220"/>
+          </a:xfrm>
+          <a:prstGeom prst="rect">
+            <a:avLst/>
+          </a:prstGeom>
+          <a:noFill/>
+        </p:spPr>
+        <p:txBody>
+          <a:bodyPr wrap="square" rtlCol="0">
+            <a:spAutoFit/>
+          </a:bodyPr>
+          <a:lstStyle/>
+          <a:p>
+            <a:r>
+              <a:rPr lang="en-US" sz="2800" dirty="0"/>
+              <a:t>meta-learner</a:t>
+            </a:r>
+          </a:p>
+        </p:txBody>
+      </p:sp>
+      <p:cxnSp>
+        <p:nvCxnSpPr>
+          <p:cNvPr id="34" name="Straight Arrow Connector 33">
+            <a:extLst>
+              <a:ext uri="{FF2B5EF4-FFF2-40B4-BE49-F238E27FC236}">
+                <a16:creationId xmlns:a16="http://schemas.microsoft.com/office/drawing/2014/main" id="{3F027A0E-C919-410A-97D8-31E2545A3E7B}"/>
+              </a:ext>
+            </a:extLst>
+          </p:cNvPr>
+          <p:cNvCxnSpPr>
+            <a:cxnSpLocks/>
+            <a:endCxn id="13" idx="1"/>
+          </p:cNvCxnSpPr>
+          <p:nvPr/>
+        </p:nvCxnSpPr>
+        <p:spPr>
+          <a:xfrm flipV="1">
+            <a:off x="3409023" y="3399038"/>
+            <a:ext cx="1322775" cy="2"/>
+          </a:xfrm>
+          <a:prstGeom prst="straightConnector1">
+            <a:avLst/>
+          </a:prstGeom>
+          <a:ln w="57150">
+            <a:solidFill>
+              <a:schemeClr val="bg2">
+                <a:lumMod val="90000"/>
+              </a:schemeClr>
+            </a:solidFill>
+            <a:tailEnd type="triangle"/>
+          </a:ln>
+        </p:spPr>
+        <p:style>
+          <a:lnRef idx="1">
+            <a:schemeClr val="accent1"/>
+          </a:lnRef>
+          <a:fillRef idx="0">
+            <a:schemeClr val="accent1"/>
+          </a:fillRef>
+          <a:effectRef idx="0">
+            <a:schemeClr val="accent1"/>
+          </a:effectRef>
+          <a:fontRef idx="minor">
+            <a:schemeClr val="tx1"/>
+          </a:fontRef>
+        </p:style>
+      </p:cxnSp>
+      <p:cxnSp>
+        <p:nvCxnSpPr>
+          <p:cNvPr id="37" name="Straight Arrow Connector 36">
+            <a:extLst>
+              <a:ext uri="{FF2B5EF4-FFF2-40B4-BE49-F238E27FC236}">
+                <a16:creationId xmlns:a16="http://schemas.microsoft.com/office/drawing/2014/main" id="{D3FAE546-FAC6-4D4F-9A6E-354E67EC0035}"/>
+              </a:ext>
+            </a:extLst>
+          </p:cNvPr>
+          <p:cNvCxnSpPr>
+            <a:cxnSpLocks/>
+          </p:cNvCxnSpPr>
+          <p:nvPr/>
+        </p:nvCxnSpPr>
+        <p:spPr>
+          <a:xfrm flipV="1">
+            <a:off x="3409023" y="1295477"/>
+            <a:ext cx="1322775" cy="2"/>
+          </a:xfrm>
+          <a:prstGeom prst="straightConnector1">
+            <a:avLst/>
+          </a:prstGeom>
+          <a:ln w="57150">
+            <a:solidFill>
+              <a:schemeClr val="bg2">
+                <a:lumMod val="90000"/>
+              </a:schemeClr>
+            </a:solidFill>
+            <a:tailEnd type="triangle"/>
+          </a:ln>
+        </p:spPr>
+        <p:style>
+          <a:lnRef idx="1">
+            <a:schemeClr val="accent1"/>
+          </a:lnRef>
+          <a:fillRef idx="0">
+            <a:schemeClr val="accent1"/>
+          </a:fillRef>
+          <a:effectRef idx="0">
+            <a:schemeClr val="accent1"/>
+          </a:effectRef>
+          <a:fontRef idx="minor">
+            <a:schemeClr val="tx1"/>
+          </a:fontRef>
+        </p:style>
+      </p:cxnSp>
+      <p:cxnSp>
+        <p:nvCxnSpPr>
+          <p:cNvPr id="38" name="Straight Arrow Connector 37">
+            <a:extLst>
+              <a:ext uri="{FF2B5EF4-FFF2-40B4-BE49-F238E27FC236}">
+                <a16:creationId xmlns:a16="http://schemas.microsoft.com/office/drawing/2014/main" id="{BF085565-3EA0-4517-97EB-CD36766EB6AE}"/>
+              </a:ext>
+            </a:extLst>
+          </p:cNvPr>
+          <p:cNvCxnSpPr>
+            <a:cxnSpLocks/>
+          </p:cNvCxnSpPr>
+          <p:nvPr/>
+        </p:nvCxnSpPr>
+        <p:spPr>
+          <a:xfrm>
+            <a:off x="7039989" y="1315005"/>
+            <a:ext cx="1828803" cy="6458"/>
+          </a:xfrm>
+          <a:prstGeom prst="straightConnector1">
+            <a:avLst/>
+          </a:prstGeom>
+          <a:ln w="57150">
+            <a:solidFill>
+              <a:schemeClr val="bg2">
+                <a:lumMod val="90000"/>
+              </a:schemeClr>
+            </a:solidFill>
+            <a:tailEnd type="triangle"/>
+          </a:ln>
+        </p:spPr>
+        <p:style>
+          <a:lnRef idx="1">
+            <a:schemeClr val="accent1"/>
+          </a:lnRef>
+          <a:fillRef idx="0">
+            <a:schemeClr val="accent1"/>
+          </a:fillRef>
+          <a:effectRef idx="0">
+            <a:schemeClr val="accent1"/>
+          </a:effectRef>
+          <a:fontRef idx="minor">
+            <a:schemeClr val="tx1"/>
+          </a:fontRef>
+        </p:style>
+      </p:cxnSp>
+      <p:cxnSp>
+        <p:nvCxnSpPr>
+          <p:cNvPr id="40" name="Straight Arrow Connector 39">
+            <a:extLst>
+              <a:ext uri="{FF2B5EF4-FFF2-40B4-BE49-F238E27FC236}">
+                <a16:creationId xmlns:a16="http://schemas.microsoft.com/office/drawing/2014/main" id="{7A3DE0EF-B3C8-4816-BCAC-6F6E7BC71705}"/>
+              </a:ext>
+            </a:extLst>
+          </p:cNvPr>
+          <p:cNvCxnSpPr>
+            <a:cxnSpLocks/>
+          </p:cNvCxnSpPr>
+          <p:nvPr/>
+        </p:nvCxnSpPr>
+        <p:spPr>
+          <a:xfrm flipV="1">
+            <a:off x="7039990" y="3392580"/>
+            <a:ext cx="1828802" cy="6459"/>
+          </a:xfrm>
+          <a:prstGeom prst="straightConnector1">
+            <a:avLst/>
+          </a:prstGeom>
+          <a:ln w="57150">
+            <a:solidFill>
+              <a:schemeClr val="bg2">
+                <a:lumMod val="90000"/>
+              </a:schemeClr>
+            </a:solidFill>
+            <a:tailEnd type="triangle"/>
+          </a:ln>
+        </p:spPr>
+        <p:style>
+          <a:lnRef idx="1">
+            <a:schemeClr val="accent1"/>
+          </a:lnRef>
+          <a:fillRef idx="0">
+            <a:schemeClr val="accent1"/>
+          </a:fillRef>
+          <a:effectRef idx="0">
+            <a:schemeClr val="accent1"/>
+          </a:effectRef>
+          <a:fontRef idx="minor">
+            <a:schemeClr val="tx1"/>
+          </a:fontRef>
+        </p:style>
+      </p:cxnSp>
+      <p:cxnSp>
+        <p:nvCxnSpPr>
+          <p:cNvPr id="43" name="Straight Arrow Connector 42">
+            <a:extLst>
+              <a:ext uri="{FF2B5EF4-FFF2-40B4-BE49-F238E27FC236}">
+                <a16:creationId xmlns:a16="http://schemas.microsoft.com/office/drawing/2014/main" id="{5439F3D8-48AD-4139-9341-371B92C84A95}"/>
+              </a:ext>
+            </a:extLst>
+          </p:cNvPr>
+          <p:cNvCxnSpPr>
+            <a:cxnSpLocks/>
+            <a:stCxn id="17" idx="4"/>
+          </p:cNvCxnSpPr>
+          <p:nvPr/>
+        </p:nvCxnSpPr>
+        <p:spPr>
+          <a:xfrm flipH="1">
+            <a:off x="9948908" y="3853573"/>
+            <a:ext cx="1" cy="762815"/>
+          </a:xfrm>
+          <a:prstGeom prst="straightConnector1">
+            <a:avLst/>
+          </a:prstGeom>
+          <a:ln w="57150">
+            <a:solidFill>
+              <a:schemeClr val="bg2">
+                <a:lumMod val="90000"/>
+              </a:schemeClr>
+            </a:solidFill>
+            <a:tailEnd type="triangle"/>
+          </a:ln>
+        </p:spPr>
+        <p:style>
+          <a:lnRef idx="1">
+            <a:schemeClr val="accent1"/>
+          </a:lnRef>
+          <a:fillRef idx="0">
+            <a:schemeClr val="accent1"/>
+          </a:fillRef>
+          <a:effectRef idx="0">
+            <a:schemeClr val="accent1"/>
+          </a:effectRef>
+          <a:fontRef idx="minor">
+            <a:schemeClr val="tx1"/>
+          </a:fontRef>
+        </p:style>
+      </p:cxnSp>
+    </p:spTree>
+    <p:extLst>
+      <p:ext uri="{BB962C8B-B14F-4D97-AF65-F5344CB8AC3E}">
+        <p14:creationId xmlns:p14="http://schemas.microsoft.com/office/powerpoint/2010/main" val="3332098143"/>
+      </p:ext>
+    </p:extLst>
+  </p:cSld>
+  <p:clrMapOvr>
+    <a:masterClrMapping/>
+  </p:clrMapOvr>
+</p:sld>
+</file>
+
+<file path=ppt/slides/slide4.xml><?xml version="1.0" encoding="utf-8"?>
+<p:sld xmlns:a="http://schemas.openxmlformats.org/drawingml/2006/main" xmlns:r="http://schemas.openxmlformats.org/officeDocument/2006/relationships" xmlns:p="http://schemas.openxmlformats.org/presentationml/2006/main">
+  <p:cSld>
+    <p:spTree>
+      <p:nvGrpSpPr>
+        <p:cNvPr id="1" name=""/>
+        <p:cNvGrpSpPr/>
+        <p:nvPr/>
+      </p:nvGrpSpPr>
+      <p:grpSpPr>
+        <a:xfrm>
+          <a:off x="0" y="0"/>
+          <a:ext cx="0" cy="0"/>
+          <a:chOff x="0" y="0"/>
+          <a:chExt cx="0" cy="0"/>
+        </a:xfrm>
+      </p:grpSpPr>
+      <p:grpSp>
+        <p:nvGrpSpPr>
+          <p:cNvPr id="9" name="Group 8">
+            <a:extLst>
+              <a:ext uri="{FF2B5EF4-FFF2-40B4-BE49-F238E27FC236}">
+                <a16:creationId xmlns:a16="http://schemas.microsoft.com/office/drawing/2014/main" id="{B9A51E66-9247-459A-B64F-16E3AD6DCF0D}"/>
+              </a:ext>
+            </a:extLst>
+          </p:cNvPr>
+          <p:cNvGrpSpPr/>
+          <p:nvPr/>
+        </p:nvGrpSpPr>
+        <p:grpSpPr>
+          <a:xfrm>
+            <a:off x="870012" y="710214"/>
+            <a:ext cx="2539013" cy="1118585"/>
+            <a:chOff x="870012" y="710214"/>
+            <a:chExt cx="2618912" cy="1269506"/>
+          </a:xfrm>
+        </p:grpSpPr>
+        <p:sp>
+          <p:nvSpPr>
+            <p:cNvPr id="4" name="Rectangle 3">
+              <a:extLst>
+                <a:ext uri="{FF2B5EF4-FFF2-40B4-BE49-F238E27FC236}">
+                  <a16:creationId xmlns:a16="http://schemas.microsoft.com/office/drawing/2014/main" id="{2FB6FE31-1474-4C9E-B00A-B11A2B170350}"/>
+                </a:ext>
+              </a:extLst>
+            </p:cNvPr>
+            <p:cNvSpPr/>
+            <p:nvPr/>
+          </p:nvSpPr>
+          <p:spPr>
+            <a:xfrm>
+              <a:off x="870012" y="710214"/>
+              <a:ext cx="2618912" cy="1269506"/>
+            </a:xfrm>
+            <a:prstGeom prst="rect">
+              <a:avLst/>
+            </a:prstGeom>
+            <a:solidFill>
+              <a:schemeClr val="bg2">
+                <a:lumMod val="90000"/>
+              </a:schemeClr>
+            </a:solidFill>
+            <a:ln>
+              <a:solidFill>
+                <a:schemeClr val="bg1">
+                  <a:lumMod val="95000"/>
+                </a:schemeClr>
+              </a:solidFill>
+            </a:ln>
+          </p:spPr>
+          <p:style>
+            <a:lnRef idx="2">
+              <a:schemeClr val="accent1">
+                <a:shade val="50000"/>
+              </a:schemeClr>
+            </a:lnRef>
+            <a:fillRef idx="1">
+              <a:schemeClr val="accent1"/>
+            </a:fillRef>
+            <a:effectRef idx="0">
+              <a:schemeClr val="accent1"/>
+            </a:effectRef>
+            <a:fontRef idx="minor">
+              <a:schemeClr val="lt1"/>
+            </a:fontRef>
+          </p:style>
+          <p:txBody>
+            <a:bodyPr rtlCol="0" anchor="ctr"/>
+            <a:lstStyle/>
+            <a:p>
+              <a:pPr algn="ctr"/>
+              <a:endParaRPr lang="en-US"/>
+            </a:p>
+          </p:txBody>
+        </p:sp>
+        <p:sp>
+          <p:nvSpPr>
+            <p:cNvPr id="5" name="TextBox 4">
+              <a:extLst>
+                <a:ext uri="{FF2B5EF4-FFF2-40B4-BE49-F238E27FC236}">
+                  <a16:creationId xmlns:a16="http://schemas.microsoft.com/office/drawing/2014/main" id="{44C507EC-EABF-41C3-8306-7F07EB4FE004}"/>
+                </a:ext>
+              </a:extLst>
+            </p:cNvPr>
+            <p:cNvSpPr txBox="1"/>
+            <p:nvPr/>
+          </p:nvSpPr>
+          <p:spPr>
+            <a:xfrm>
+              <a:off x="1233994" y="867912"/>
+              <a:ext cx="1890943" cy="1082836"/>
+            </a:xfrm>
+            <a:prstGeom prst="rect">
+              <a:avLst/>
+            </a:prstGeom>
+            <a:noFill/>
+          </p:spPr>
+          <p:txBody>
+            <a:bodyPr wrap="square" rtlCol="0">
+              <a:spAutoFit/>
+            </a:bodyPr>
+            <a:lstStyle/>
+            <a:p>
+              <a:pPr algn="ctr"/>
+              <a:r>
+                <a:rPr lang="en-US" sz="2800" dirty="0"/>
+                <a:t>problem space</a:t>
+              </a:r>
+            </a:p>
+          </p:txBody>
+        </p:sp>
+      </p:grpSp>
+      <p:grpSp>
+        <p:nvGrpSpPr>
+          <p:cNvPr id="8" name="Group 7">
+            <a:extLst>
+              <a:ext uri="{FF2B5EF4-FFF2-40B4-BE49-F238E27FC236}">
+                <a16:creationId xmlns:a16="http://schemas.microsoft.com/office/drawing/2014/main" id="{DB6A6962-9328-4941-B121-09737F8A8E61}"/>
+              </a:ext>
+            </a:extLst>
+          </p:cNvPr>
+          <p:cNvGrpSpPr/>
+          <p:nvPr/>
+        </p:nvGrpSpPr>
+        <p:grpSpPr>
+          <a:xfrm>
+            <a:off x="870012" y="2794247"/>
+            <a:ext cx="2539013" cy="1118585"/>
+            <a:chOff x="870012" y="3330606"/>
+            <a:chExt cx="2618912" cy="1269506"/>
+          </a:xfrm>
+        </p:grpSpPr>
+        <p:sp>
+          <p:nvSpPr>
+            <p:cNvPr id="6" name="Rectangle 5">
+              <a:extLst>
+                <a:ext uri="{FF2B5EF4-FFF2-40B4-BE49-F238E27FC236}">
+                  <a16:creationId xmlns:a16="http://schemas.microsoft.com/office/drawing/2014/main" id="{7D5F2573-39FE-4BA4-9CC1-92A92F8BCE07}"/>
+                </a:ext>
+              </a:extLst>
+            </p:cNvPr>
+            <p:cNvSpPr/>
+            <p:nvPr/>
+          </p:nvSpPr>
+          <p:spPr>
+            <a:xfrm>
+              <a:off x="870012" y="3330606"/>
+              <a:ext cx="2618912" cy="1269506"/>
+            </a:xfrm>
+            <a:prstGeom prst="rect">
+              <a:avLst/>
+            </a:prstGeom>
+            <a:solidFill>
+              <a:schemeClr val="bg2">
+                <a:lumMod val="90000"/>
+              </a:schemeClr>
+            </a:solidFill>
+            <a:ln>
+              <a:solidFill>
+                <a:schemeClr val="bg2">
+                  <a:lumMod val="90000"/>
+                </a:schemeClr>
+              </a:solidFill>
+            </a:ln>
+          </p:spPr>
+          <p:style>
+            <a:lnRef idx="2">
+              <a:schemeClr val="accent1">
+                <a:shade val="50000"/>
+              </a:schemeClr>
+            </a:lnRef>
+            <a:fillRef idx="1">
+              <a:schemeClr val="accent1"/>
+            </a:fillRef>
+            <a:effectRef idx="0">
+              <a:schemeClr val="accent1"/>
+            </a:effectRef>
+            <a:fontRef idx="minor">
+              <a:schemeClr val="lt1"/>
+            </a:fontRef>
+          </p:style>
+          <p:txBody>
+            <a:bodyPr rtlCol="0" anchor="ctr"/>
+            <a:lstStyle/>
+            <a:p>
+              <a:pPr algn="ctr"/>
+              <a:endParaRPr lang="en-US" dirty="0"/>
+            </a:p>
+          </p:txBody>
+        </p:sp>
+        <p:sp>
+          <p:nvSpPr>
+            <p:cNvPr id="7" name="TextBox 6">
+              <a:extLst>
+                <a:ext uri="{FF2B5EF4-FFF2-40B4-BE49-F238E27FC236}">
+                  <a16:creationId xmlns:a16="http://schemas.microsoft.com/office/drawing/2014/main" id="{EDD801CF-94C8-48A7-8653-14E4D4CAA5D1}"/>
+                </a:ext>
+              </a:extLst>
+            </p:cNvPr>
+            <p:cNvSpPr txBox="1"/>
+            <p:nvPr/>
+          </p:nvSpPr>
+          <p:spPr>
+            <a:xfrm>
+              <a:off x="1136340" y="3488304"/>
+              <a:ext cx="2086253" cy="1082836"/>
+            </a:xfrm>
+            <a:prstGeom prst="rect">
+              <a:avLst/>
+            </a:prstGeom>
+            <a:noFill/>
+          </p:spPr>
+          <p:txBody>
+            <a:bodyPr wrap="square" rtlCol="0">
+              <a:spAutoFit/>
+            </a:bodyPr>
+            <a:lstStyle/>
+            <a:p>
+              <a:pPr algn="ctr"/>
+              <a:r>
+                <a:rPr lang="en-US" sz="2800" dirty="0"/>
+                <a:t>algorithm space</a:t>
+              </a:r>
+            </a:p>
+          </p:txBody>
+        </p:sp>
+      </p:grpSp>
+      <p:grpSp>
+        <p:nvGrpSpPr>
+          <p:cNvPr id="12" name="Group 11">
+            <a:extLst>
+              <a:ext uri="{FF2B5EF4-FFF2-40B4-BE49-F238E27FC236}">
+                <a16:creationId xmlns:a16="http://schemas.microsoft.com/office/drawing/2014/main" id="{48153331-C96D-4477-AD09-A2A5EB9181E7}"/>
+              </a:ext>
+            </a:extLst>
+          </p:cNvPr>
+          <p:cNvGrpSpPr/>
+          <p:nvPr/>
+        </p:nvGrpSpPr>
+        <p:grpSpPr>
+          <a:xfrm>
+            <a:off x="4731798" y="710214"/>
+            <a:ext cx="2308193" cy="1209582"/>
+            <a:chOff x="5344357" y="710214"/>
+            <a:chExt cx="2077375" cy="1269506"/>
+          </a:xfrm>
+        </p:grpSpPr>
+        <p:sp>
+          <p:nvSpPr>
+            <p:cNvPr id="10" name="TextBox 9">
+              <a:extLst>
+                <a:ext uri="{FF2B5EF4-FFF2-40B4-BE49-F238E27FC236}">
+                  <a16:creationId xmlns:a16="http://schemas.microsoft.com/office/drawing/2014/main" id="{ED3FDDCC-96BA-49B5-8FFE-4129D010391C}"/>
+                </a:ext>
+              </a:extLst>
+            </p:cNvPr>
+            <p:cNvSpPr txBox="1"/>
+            <p:nvPr/>
+          </p:nvSpPr>
+          <p:spPr>
+            <a:xfrm>
+              <a:off x="5344357" y="710214"/>
+              <a:ext cx="2077375" cy="1269506"/>
+            </a:xfrm>
+            <a:prstGeom prst="rect">
+              <a:avLst/>
+            </a:prstGeom>
+            <a:solidFill>
+              <a:schemeClr val="bg1">
+                <a:lumMod val="85000"/>
+              </a:schemeClr>
+            </a:solidFill>
+          </p:spPr>
+          <p:txBody>
+            <a:bodyPr wrap="square" rtlCol="0">
+              <a:spAutoFit/>
+            </a:bodyPr>
+            <a:lstStyle/>
+            <a:p>
+              <a:endParaRPr lang="en-US" dirty="0"/>
+            </a:p>
+          </p:txBody>
+        </p:sp>
+        <p:sp>
+          <p:nvSpPr>
+            <p:cNvPr id="11" name="TextBox 10">
+              <a:extLst>
+                <a:ext uri="{FF2B5EF4-FFF2-40B4-BE49-F238E27FC236}">
+                  <a16:creationId xmlns:a16="http://schemas.microsoft.com/office/drawing/2014/main" id="{05486F2F-8640-45E4-A42D-56BE8E3A2E51}"/>
+                </a:ext>
+              </a:extLst>
+            </p:cNvPr>
+            <p:cNvSpPr txBox="1"/>
+            <p:nvPr/>
+          </p:nvSpPr>
+          <p:spPr>
+            <a:xfrm>
+              <a:off x="5663954" y="874692"/>
+              <a:ext cx="1757778" cy="1001374"/>
+            </a:xfrm>
+            <a:prstGeom prst="rect">
+              <a:avLst/>
+            </a:prstGeom>
+            <a:noFill/>
+          </p:spPr>
+          <p:txBody>
+            <a:bodyPr wrap="square" rtlCol="0">
+              <a:spAutoFit/>
+            </a:bodyPr>
+            <a:lstStyle/>
+            <a:p>
+              <a:r>
+                <a:rPr lang="en-US" sz="2800" dirty="0"/>
+                <a:t>calculate features</a:t>
+              </a:r>
+            </a:p>
+          </p:txBody>
+        </p:sp>
+      </p:grpSp>
+      <p:grpSp>
+        <p:nvGrpSpPr>
+          <p:cNvPr id="15" name="Group 14">
+            <a:extLst>
+              <a:ext uri="{FF2B5EF4-FFF2-40B4-BE49-F238E27FC236}">
+                <a16:creationId xmlns:a16="http://schemas.microsoft.com/office/drawing/2014/main" id="{FBBDE58C-3AE5-4F20-AA80-630DF68B6753}"/>
+              </a:ext>
+            </a:extLst>
+          </p:cNvPr>
+          <p:cNvGrpSpPr/>
+          <p:nvPr/>
+        </p:nvGrpSpPr>
+        <p:grpSpPr>
+          <a:xfrm>
+            <a:off x="4731798" y="2794247"/>
+            <a:ext cx="2308194" cy="1209582"/>
+            <a:chOff x="5237825" y="2794247"/>
+            <a:chExt cx="2308194" cy="1269506"/>
+          </a:xfrm>
+          <a:solidFill>
+            <a:schemeClr val="bg2">
+              <a:lumMod val="90000"/>
+            </a:schemeClr>
+          </a:solidFill>
+        </p:grpSpPr>
+        <p:sp>
+          <p:nvSpPr>
+            <p:cNvPr id="13" name="Rectangle 12">
+              <a:extLst>
+                <a:ext uri="{FF2B5EF4-FFF2-40B4-BE49-F238E27FC236}">
+                  <a16:creationId xmlns:a16="http://schemas.microsoft.com/office/drawing/2014/main" id="{893BB0EC-2314-4569-9B68-2A7287BA39D5}"/>
+                </a:ext>
+              </a:extLst>
+            </p:cNvPr>
+            <p:cNvSpPr/>
+            <p:nvPr/>
+          </p:nvSpPr>
+          <p:spPr>
+            <a:xfrm>
+              <a:off x="5237825" y="2794247"/>
+              <a:ext cx="2308194" cy="1269506"/>
+            </a:xfrm>
+            <a:prstGeom prst="rect">
+              <a:avLst/>
+            </a:prstGeom>
+            <a:grpFill/>
+            <a:ln>
+              <a:solidFill>
+                <a:schemeClr val="bg2">
+                  <a:lumMod val="90000"/>
+                </a:schemeClr>
+              </a:solidFill>
+            </a:ln>
+          </p:spPr>
+          <p:style>
+            <a:lnRef idx="2">
+              <a:schemeClr val="accent1">
+                <a:shade val="50000"/>
+              </a:schemeClr>
+            </a:lnRef>
+            <a:fillRef idx="1">
+              <a:schemeClr val="accent1"/>
+            </a:fillRef>
+            <a:effectRef idx="0">
+              <a:schemeClr val="accent1"/>
+            </a:effectRef>
+            <a:fontRef idx="minor">
+              <a:schemeClr val="lt1"/>
+            </a:fontRef>
+          </p:style>
+          <p:txBody>
+            <a:bodyPr rtlCol="0" anchor="ctr"/>
+            <a:lstStyle/>
+            <a:p>
+              <a:pPr algn="ctr"/>
+              <a:endParaRPr lang="en-US"/>
+            </a:p>
+          </p:txBody>
+        </p:sp>
+        <p:sp>
+          <p:nvSpPr>
+            <p:cNvPr id="14" name="TextBox 13">
+              <a:extLst>
+                <a:ext uri="{FF2B5EF4-FFF2-40B4-BE49-F238E27FC236}">
+                  <a16:creationId xmlns:a16="http://schemas.microsoft.com/office/drawing/2014/main" id="{088DE6D7-6BC3-40D9-AFAB-13C7BFD89D02}"/>
+                </a:ext>
+              </a:extLst>
+            </p:cNvPr>
+            <p:cNvSpPr txBox="1"/>
+            <p:nvPr/>
+          </p:nvSpPr>
+          <p:spPr>
+            <a:xfrm>
+              <a:off x="5344358" y="2951946"/>
+              <a:ext cx="2077374" cy="1001374"/>
+            </a:xfrm>
+            <a:prstGeom prst="rect">
+              <a:avLst/>
+            </a:prstGeom>
+            <a:grpFill/>
+            <a:ln>
+              <a:solidFill>
+                <a:schemeClr val="bg2">
+                  <a:lumMod val="90000"/>
+                </a:schemeClr>
+              </a:solidFill>
+            </a:ln>
+          </p:spPr>
+          <p:txBody>
+            <a:bodyPr wrap="square" rtlCol="0">
+              <a:spAutoFit/>
+            </a:bodyPr>
+            <a:lstStyle/>
+            <a:p>
+              <a:r>
+                <a:rPr lang="en-US" sz="2800" dirty="0"/>
+                <a:t>algorithm performance</a:t>
+              </a:r>
+            </a:p>
+          </p:txBody>
+        </p:sp>
+      </p:grpSp>
+      <p:grpSp>
+        <p:nvGrpSpPr>
+          <p:cNvPr id="19" name="Group 18">
+            <a:extLst>
+              <a:ext uri="{FF2B5EF4-FFF2-40B4-BE49-F238E27FC236}">
+                <a16:creationId xmlns:a16="http://schemas.microsoft.com/office/drawing/2014/main" id="{4263E621-3D28-4626-BC47-9FA959102291}"/>
+              </a:ext>
+            </a:extLst>
+          </p:cNvPr>
+          <p:cNvGrpSpPr/>
+          <p:nvPr/>
+        </p:nvGrpSpPr>
+        <p:grpSpPr>
+          <a:xfrm>
+            <a:off x="8575830" y="866928"/>
+            <a:ext cx="2746157" cy="2986645"/>
+            <a:chOff x="9179512" y="1287262"/>
+            <a:chExt cx="2308194" cy="2343705"/>
+          </a:xfrm>
+          <a:solidFill>
+            <a:schemeClr val="bg2">
+              <a:lumMod val="90000"/>
+            </a:schemeClr>
+          </a:solidFill>
+        </p:grpSpPr>
+        <p:sp>
+          <p:nvSpPr>
+            <p:cNvPr id="17" name="Oval 16">
+              <a:extLst>
+                <a:ext uri="{FF2B5EF4-FFF2-40B4-BE49-F238E27FC236}">
+                  <a16:creationId xmlns:a16="http://schemas.microsoft.com/office/drawing/2014/main" id="{A61AE73F-F0D2-4030-A171-14D53DC8BEC9}"/>
+                </a:ext>
+              </a:extLst>
+            </p:cNvPr>
+            <p:cNvSpPr/>
+            <p:nvPr/>
+          </p:nvSpPr>
+          <p:spPr>
+            <a:xfrm>
+              <a:off x="9179512" y="1287262"/>
+              <a:ext cx="2308194" cy="2343705"/>
+            </a:xfrm>
+            <a:prstGeom prst="ellipse">
+              <a:avLst/>
+            </a:prstGeom>
+            <a:grpFill/>
+            <a:ln>
+              <a:solidFill>
+                <a:schemeClr val="bg2">
+                  <a:lumMod val="90000"/>
+                </a:schemeClr>
+              </a:solidFill>
+            </a:ln>
+          </p:spPr>
+          <p:style>
+            <a:lnRef idx="2">
+              <a:schemeClr val="accent1">
+                <a:shade val="50000"/>
+              </a:schemeClr>
+            </a:lnRef>
+            <a:fillRef idx="1">
+              <a:schemeClr val="accent1"/>
+            </a:fillRef>
+            <a:effectRef idx="0">
+              <a:schemeClr val="accent1"/>
+            </a:effectRef>
+            <a:fontRef idx="minor">
+              <a:schemeClr val="lt1"/>
+            </a:fontRef>
+          </p:style>
+          <p:txBody>
+            <a:bodyPr rtlCol="0" anchor="ctr"/>
+            <a:lstStyle/>
+            <a:p>
+              <a:pPr algn="ctr"/>
+              <a:endParaRPr lang="en-US" dirty="0"/>
+            </a:p>
+          </p:txBody>
+        </p:sp>
+        <p:sp>
+          <p:nvSpPr>
+            <p:cNvPr id="18" name="TextBox 17">
+              <a:extLst>
+                <a:ext uri="{FF2B5EF4-FFF2-40B4-BE49-F238E27FC236}">
+                  <a16:creationId xmlns:a16="http://schemas.microsoft.com/office/drawing/2014/main" id="{1416F813-9294-4944-9AF4-A988DE6CD513}"/>
+                </a:ext>
+              </a:extLst>
+            </p:cNvPr>
+            <p:cNvSpPr txBox="1"/>
+            <p:nvPr/>
+          </p:nvSpPr>
+          <p:spPr>
+            <a:xfrm>
+              <a:off x="9825373" y="1966466"/>
+              <a:ext cx="1510611" cy="845324"/>
+            </a:xfrm>
+            <a:prstGeom prst="rect">
+              <a:avLst/>
+            </a:prstGeom>
+            <a:grpFill/>
+            <a:ln>
+              <a:solidFill>
+                <a:schemeClr val="bg2">
+                  <a:lumMod val="90000"/>
+                </a:schemeClr>
+              </a:solidFill>
+            </a:ln>
+          </p:spPr>
+          <p:txBody>
+            <a:bodyPr wrap="square" rtlCol="0">
+              <a:spAutoFit/>
+            </a:bodyPr>
+            <a:lstStyle/>
+            <a:p>
+              <a:r>
+                <a:rPr lang="en-US" sz="3200" dirty="0"/>
+                <a:t>train a model</a:t>
+              </a:r>
+            </a:p>
+          </p:txBody>
+        </p:sp>
+      </p:grpSp>
+      <p:sp>
+        <p:nvSpPr>
+          <p:cNvPr id="20" name="Rectangle 19">
+            <a:extLst>
+              <a:ext uri="{FF2B5EF4-FFF2-40B4-BE49-F238E27FC236}">
+                <a16:creationId xmlns:a16="http://schemas.microsoft.com/office/drawing/2014/main" id="{4ED87076-4FB0-403C-AE2B-C9A2119FE4BB}"/>
+              </a:ext>
+            </a:extLst>
+          </p:cNvPr>
+          <p:cNvSpPr/>
+          <p:nvPr/>
+        </p:nvSpPr>
+        <p:spPr>
+          <a:xfrm>
+            <a:off x="8868792" y="4616388"/>
+            <a:ext cx="2429520" cy="861134"/>
+          </a:xfrm>
+          <a:prstGeom prst="rect">
+            <a:avLst/>
+          </a:prstGeom>
+          <a:solidFill>
+            <a:schemeClr val="accent2">
+              <a:lumMod val="60000"/>
+              <a:lumOff val="40000"/>
+            </a:schemeClr>
+          </a:solidFill>
+          <a:ln>
+            <a:solidFill>
+              <a:schemeClr val="accent2">
+                <a:lumMod val="60000"/>
+                <a:lumOff val="40000"/>
+              </a:schemeClr>
+            </a:solidFill>
+          </a:ln>
+        </p:spPr>
+        <p:style>
+          <a:lnRef idx="2">
+            <a:schemeClr val="accent1">
+              <a:shade val="50000"/>
+            </a:schemeClr>
+          </a:lnRef>
+          <a:fillRef idx="1">
+            <a:schemeClr val="accent1"/>
+          </a:fillRef>
+          <a:effectRef idx="0">
+            <a:schemeClr val="accent1"/>
+          </a:effectRef>
+          <a:fontRef idx="minor">
+            <a:schemeClr val="lt1"/>
+          </a:fontRef>
+        </p:style>
+        <p:txBody>
+          <a:bodyPr rtlCol="0" anchor="ctr"/>
+          <a:lstStyle/>
+          <a:p>
+            <a:pPr algn="ctr"/>
+            <a:endParaRPr lang="en-US"/>
+          </a:p>
+        </p:txBody>
+      </p:sp>
+      <p:sp>
+        <p:nvSpPr>
+          <p:cNvPr id="21" name="TextBox 20">
+            <a:extLst>
+              <a:ext uri="{FF2B5EF4-FFF2-40B4-BE49-F238E27FC236}">
+                <a16:creationId xmlns:a16="http://schemas.microsoft.com/office/drawing/2014/main" id="{A44FEF9B-3075-4D25-9078-F0E56ADA0640}"/>
+              </a:ext>
+            </a:extLst>
+          </p:cNvPr>
+          <p:cNvSpPr txBox="1"/>
+          <p:nvPr/>
+        </p:nvSpPr>
+        <p:spPr>
+          <a:xfrm>
+            <a:off x="9108489" y="4785345"/>
+            <a:ext cx="2189823" cy="523220"/>
+          </a:xfrm>
+          <a:prstGeom prst="rect">
+            <a:avLst/>
+          </a:prstGeom>
+          <a:noFill/>
+        </p:spPr>
+        <p:txBody>
+          <a:bodyPr wrap="square" rtlCol="0">
+            <a:spAutoFit/>
+          </a:bodyPr>
+          <a:lstStyle/>
+          <a:p>
+            <a:r>
+              <a:rPr lang="en-US" sz="2800" dirty="0"/>
+              <a:t>meta-learner</a:t>
+            </a:r>
+          </a:p>
+        </p:txBody>
+      </p:sp>
+      <p:cxnSp>
+        <p:nvCxnSpPr>
+          <p:cNvPr id="34" name="Straight Arrow Connector 33">
+            <a:extLst>
+              <a:ext uri="{FF2B5EF4-FFF2-40B4-BE49-F238E27FC236}">
+                <a16:creationId xmlns:a16="http://schemas.microsoft.com/office/drawing/2014/main" id="{3F027A0E-C919-410A-97D8-31E2545A3E7B}"/>
+              </a:ext>
+            </a:extLst>
+          </p:cNvPr>
+          <p:cNvCxnSpPr>
+            <a:cxnSpLocks/>
+            <a:endCxn id="13" idx="1"/>
+          </p:cNvCxnSpPr>
+          <p:nvPr/>
+        </p:nvCxnSpPr>
+        <p:spPr>
+          <a:xfrm flipV="1">
+            <a:off x="3409023" y="3399038"/>
+            <a:ext cx="1322775" cy="2"/>
+          </a:xfrm>
+          <a:prstGeom prst="straightConnector1">
+            <a:avLst/>
+          </a:prstGeom>
+          <a:ln w="57150">
+            <a:solidFill>
+              <a:schemeClr val="bg2">
+                <a:lumMod val="90000"/>
+              </a:schemeClr>
+            </a:solidFill>
+            <a:tailEnd type="triangle"/>
+          </a:ln>
+        </p:spPr>
+        <p:style>
+          <a:lnRef idx="1">
+            <a:schemeClr val="accent1"/>
+          </a:lnRef>
+          <a:fillRef idx="0">
+            <a:schemeClr val="accent1"/>
+          </a:fillRef>
+          <a:effectRef idx="0">
+            <a:schemeClr val="accent1"/>
+          </a:effectRef>
+          <a:fontRef idx="minor">
+            <a:schemeClr val="tx1"/>
+          </a:fontRef>
+        </p:style>
+      </p:cxnSp>
+      <p:cxnSp>
+        <p:nvCxnSpPr>
+          <p:cNvPr id="37" name="Straight Arrow Connector 36">
+            <a:extLst>
+              <a:ext uri="{FF2B5EF4-FFF2-40B4-BE49-F238E27FC236}">
+                <a16:creationId xmlns:a16="http://schemas.microsoft.com/office/drawing/2014/main" id="{D3FAE546-FAC6-4D4F-9A6E-354E67EC0035}"/>
+              </a:ext>
+            </a:extLst>
+          </p:cNvPr>
+          <p:cNvCxnSpPr>
+            <a:cxnSpLocks/>
+          </p:cNvCxnSpPr>
+          <p:nvPr/>
+        </p:nvCxnSpPr>
+        <p:spPr>
+          <a:xfrm flipV="1">
+            <a:off x="3409023" y="1295477"/>
+            <a:ext cx="1322775" cy="2"/>
+          </a:xfrm>
+          <a:prstGeom prst="straightConnector1">
+            <a:avLst/>
+          </a:prstGeom>
+          <a:ln w="57150">
+            <a:solidFill>
+              <a:schemeClr val="bg2">
+                <a:lumMod val="90000"/>
+              </a:schemeClr>
+            </a:solidFill>
+            <a:tailEnd type="triangle"/>
+          </a:ln>
+        </p:spPr>
+        <p:style>
+          <a:lnRef idx="1">
+            <a:schemeClr val="accent1"/>
+          </a:lnRef>
+          <a:fillRef idx="0">
+            <a:schemeClr val="accent1"/>
+          </a:fillRef>
+          <a:effectRef idx="0">
+            <a:schemeClr val="accent1"/>
+          </a:effectRef>
+          <a:fontRef idx="minor">
+            <a:schemeClr val="tx1"/>
+          </a:fontRef>
+        </p:style>
+      </p:cxnSp>
+      <p:cxnSp>
+        <p:nvCxnSpPr>
+          <p:cNvPr id="38" name="Straight Arrow Connector 37">
+            <a:extLst>
+              <a:ext uri="{FF2B5EF4-FFF2-40B4-BE49-F238E27FC236}">
+                <a16:creationId xmlns:a16="http://schemas.microsoft.com/office/drawing/2014/main" id="{BF085565-3EA0-4517-97EB-CD36766EB6AE}"/>
+              </a:ext>
+            </a:extLst>
+          </p:cNvPr>
+          <p:cNvCxnSpPr>
+            <a:cxnSpLocks/>
+          </p:cNvCxnSpPr>
+          <p:nvPr/>
+        </p:nvCxnSpPr>
+        <p:spPr>
+          <a:xfrm>
+            <a:off x="7039989" y="1315005"/>
+            <a:ext cx="1828803" cy="6458"/>
+          </a:xfrm>
+          <a:prstGeom prst="straightConnector1">
+            <a:avLst/>
+          </a:prstGeom>
+          <a:ln w="57150">
+            <a:solidFill>
+              <a:schemeClr val="bg2">
+                <a:lumMod val="90000"/>
+              </a:schemeClr>
+            </a:solidFill>
+            <a:tailEnd type="triangle"/>
+          </a:ln>
+        </p:spPr>
+        <p:style>
+          <a:lnRef idx="1">
+            <a:schemeClr val="accent1"/>
+          </a:lnRef>
+          <a:fillRef idx="0">
+            <a:schemeClr val="accent1"/>
+          </a:fillRef>
+          <a:effectRef idx="0">
+            <a:schemeClr val="accent1"/>
+          </a:effectRef>
+          <a:fontRef idx="minor">
+            <a:schemeClr val="tx1"/>
+          </a:fontRef>
+        </p:style>
+      </p:cxnSp>
+      <p:cxnSp>
+        <p:nvCxnSpPr>
+          <p:cNvPr id="40" name="Straight Arrow Connector 39">
+            <a:extLst>
+              <a:ext uri="{FF2B5EF4-FFF2-40B4-BE49-F238E27FC236}">
+                <a16:creationId xmlns:a16="http://schemas.microsoft.com/office/drawing/2014/main" id="{7A3DE0EF-B3C8-4816-BCAC-6F6E7BC71705}"/>
+              </a:ext>
+            </a:extLst>
+          </p:cNvPr>
+          <p:cNvCxnSpPr>
+            <a:cxnSpLocks/>
+          </p:cNvCxnSpPr>
+          <p:nvPr/>
+        </p:nvCxnSpPr>
+        <p:spPr>
+          <a:xfrm flipV="1">
+            <a:off x="7039990" y="3392580"/>
+            <a:ext cx="1828802" cy="6459"/>
+          </a:xfrm>
+          <a:prstGeom prst="straightConnector1">
+            <a:avLst/>
+          </a:prstGeom>
+          <a:ln w="57150">
+            <a:solidFill>
+              <a:schemeClr val="bg2">
+                <a:lumMod val="90000"/>
+              </a:schemeClr>
+            </a:solidFill>
+            <a:tailEnd type="triangle"/>
+          </a:ln>
+        </p:spPr>
+        <p:style>
+          <a:lnRef idx="1">
+            <a:schemeClr val="accent1"/>
+          </a:lnRef>
+          <a:fillRef idx="0">
+            <a:schemeClr val="accent1"/>
+          </a:fillRef>
+          <a:effectRef idx="0">
+            <a:schemeClr val="accent1"/>
+          </a:effectRef>
+          <a:fontRef idx="minor">
+            <a:schemeClr val="tx1"/>
+          </a:fontRef>
+        </p:style>
+      </p:cxnSp>
+      <p:cxnSp>
+        <p:nvCxnSpPr>
+          <p:cNvPr id="43" name="Straight Arrow Connector 42">
+            <a:extLst>
+              <a:ext uri="{FF2B5EF4-FFF2-40B4-BE49-F238E27FC236}">
+                <a16:creationId xmlns:a16="http://schemas.microsoft.com/office/drawing/2014/main" id="{5439F3D8-48AD-4139-9341-371B92C84A95}"/>
+              </a:ext>
+            </a:extLst>
+          </p:cNvPr>
+          <p:cNvCxnSpPr>
+            <a:cxnSpLocks/>
+            <a:stCxn id="17" idx="4"/>
+          </p:cNvCxnSpPr>
+          <p:nvPr/>
+        </p:nvCxnSpPr>
+        <p:spPr>
+          <a:xfrm flipH="1">
+            <a:off x="9948908" y="3853573"/>
+            <a:ext cx="1" cy="762815"/>
+          </a:xfrm>
+          <a:prstGeom prst="straightConnector1">
+            <a:avLst/>
+          </a:prstGeom>
+          <a:ln w="57150">
+            <a:solidFill>
+              <a:schemeClr val="bg2">
+                <a:lumMod val="90000"/>
+              </a:schemeClr>
+            </a:solidFill>
+            <a:tailEnd type="triangle"/>
+          </a:ln>
+        </p:spPr>
+        <p:style>
+          <a:lnRef idx="1">
+            <a:schemeClr val="accent1"/>
+          </a:lnRef>
+          <a:fillRef idx="0">
+            <a:schemeClr val="accent1"/>
+          </a:fillRef>
+          <a:effectRef idx="0">
+            <a:schemeClr val="accent1"/>
+          </a:effectRef>
+          <a:fontRef idx="minor">
+            <a:schemeClr val="tx1"/>
+          </a:fontRef>
+        </p:style>
+      </p:cxnSp>
+      <p:grpSp>
+        <p:nvGrpSpPr>
+          <p:cNvPr id="45" name="Group 44">
+            <a:extLst>
+              <a:ext uri="{FF2B5EF4-FFF2-40B4-BE49-F238E27FC236}">
+                <a16:creationId xmlns:a16="http://schemas.microsoft.com/office/drawing/2014/main" id="{756990A2-CA42-4861-9BC1-EA97E9E40142}"/>
+              </a:ext>
+            </a:extLst>
+          </p:cNvPr>
+          <p:cNvGrpSpPr/>
+          <p:nvPr/>
+        </p:nvGrpSpPr>
+        <p:grpSpPr>
+          <a:xfrm>
+            <a:off x="899604" y="4487662"/>
+            <a:ext cx="2539013" cy="1074859"/>
+            <a:chOff x="870012" y="3330606"/>
+            <a:chExt cx="2618912" cy="1269506"/>
+          </a:xfrm>
+          <a:solidFill>
+            <a:schemeClr val="accent1">
+              <a:lumMod val="60000"/>
+              <a:lumOff val="40000"/>
+            </a:schemeClr>
+          </a:solidFill>
+        </p:grpSpPr>
+        <p:sp>
+          <p:nvSpPr>
+            <p:cNvPr id="46" name="Rectangle 45">
+              <a:extLst>
+                <a:ext uri="{FF2B5EF4-FFF2-40B4-BE49-F238E27FC236}">
+                  <a16:creationId xmlns:a16="http://schemas.microsoft.com/office/drawing/2014/main" id="{4124BF56-81E5-4193-95BD-07009A0E8FB4}"/>
+                </a:ext>
+              </a:extLst>
+            </p:cNvPr>
+            <p:cNvSpPr/>
+            <p:nvPr/>
+          </p:nvSpPr>
+          <p:spPr>
+            <a:xfrm>
+              <a:off x="870012" y="3330606"/>
+              <a:ext cx="2618912" cy="1269506"/>
+            </a:xfrm>
+            <a:prstGeom prst="rect">
+              <a:avLst/>
+            </a:prstGeom>
+            <a:grpFill/>
+            <a:ln>
+              <a:solidFill>
+                <a:schemeClr val="bg2">
+                  <a:lumMod val="90000"/>
+                </a:schemeClr>
+              </a:solidFill>
+            </a:ln>
+          </p:spPr>
+          <p:style>
+            <a:lnRef idx="2">
+              <a:schemeClr val="accent1">
+                <a:shade val="50000"/>
+              </a:schemeClr>
+            </a:lnRef>
+            <a:fillRef idx="1">
+              <a:schemeClr val="accent1"/>
+            </a:fillRef>
+            <a:effectRef idx="0">
+              <a:schemeClr val="accent1"/>
+            </a:effectRef>
+            <a:fontRef idx="minor">
+              <a:schemeClr val="lt1"/>
+            </a:fontRef>
+          </p:style>
+          <p:txBody>
+            <a:bodyPr rtlCol="0" anchor="ctr"/>
+            <a:lstStyle/>
+            <a:p>
+              <a:pPr algn="ctr"/>
+              <a:endParaRPr lang="en-US" dirty="0"/>
+            </a:p>
+          </p:txBody>
+        </p:sp>
+        <p:sp>
+          <p:nvSpPr>
+            <p:cNvPr id="47" name="TextBox 46">
+              <a:extLst>
+                <a:ext uri="{FF2B5EF4-FFF2-40B4-BE49-F238E27FC236}">
+                  <a16:creationId xmlns:a16="http://schemas.microsoft.com/office/drawing/2014/main" id="{FC3B88E7-C045-4A46-8E3C-FB17739F2EE6}"/>
+                </a:ext>
+              </a:extLst>
+            </p:cNvPr>
+            <p:cNvSpPr txBox="1"/>
+            <p:nvPr/>
+          </p:nvSpPr>
+          <p:spPr>
+            <a:xfrm>
+              <a:off x="1105817" y="3628456"/>
+              <a:ext cx="2184705" cy="617970"/>
+            </a:xfrm>
+            <a:prstGeom prst="rect">
+              <a:avLst/>
+            </a:prstGeom>
+            <a:grpFill/>
+          </p:spPr>
+          <p:txBody>
+            <a:bodyPr wrap="square" rtlCol="0">
+              <a:spAutoFit/>
+            </a:bodyPr>
+            <a:lstStyle/>
+            <a:p>
+              <a:pPr algn="ctr"/>
+              <a:r>
+                <a:rPr lang="en-US" sz="2800" dirty="0"/>
+                <a:t>new instance</a:t>
+              </a:r>
+            </a:p>
+          </p:txBody>
+        </p:sp>
+      </p:grpSp>
+      <p:grpSp>
+        <p:nvGrpSpPr>
+          <p:cNvPr id="48" name="Group 47">
+            <a:extLst>
+              <a:ext uri="{FF2B5EF4-FFF2-40B4-BE49-F238E27FC236}">
+                <a16:creationId xmlns:a16="http://schemas.microsoft.com/office/drawing/2014/main" id="{407E52BF-1796-4EEF-8105-5D9F4BE97DB2}"/>
+              </a:ext>
+            </a:extLst>
+          </p:cNvPr>
+          <p:cNvGrpSpPr/>
+          <p:nvPr/>
+        </p:nvGrpSpPr>
+        <p:grpSpPr>
+          <a:xfrm>
+            <a:off x="4749557" y="4487661"/>
+            <a:ext cx="2308193" cy="1272321"/>
+            <a:chOff x="5344357" y="710214"/>
+            <a:chExt cx="2077375" cy="1269506"/>
+          </a:xfrm>
+          <a:solidFill>
+            <a:schemeClr val="accent1">
+              <a:lumMod val="60000"/>
+              <a:lumOff val="40000"/>
+            </a:schemeClr>
+          </a:solidFill>
+        </p:grpSpPr>
+        <p:sp>
+          <p:nvSpPr>
+            <p:cNvPr id="49" name="TextBox 48">
+              <a:extLst>
+                <a:ext uri="{FF2B5EF4-FFF2-40B4-BE49-F238E27FC236}">
+                  <a16:creationId xmlns:a16="http://schemas.microsoft.com/office/drawing/2014/main" id="{D8089539-C52F-4CF6-BA69-F80A55AFFABD}"/>
+                </a:ext>
+              </a:extLst>
+            </p:cNvPr>
+            <p:cNvSpPr txBox="1"/>
+            <p:nvPr/>
+          </p:nvSpPr>
+          <p:spPr>
+            <a:xfrm>
+              <a:off x="5344357" y="710214"/>
+              <a:ext cx="2077375" cy="1269506"/>
+            </a:xfrm>
+            <a:prstGeom prst="rect">
+              <a:avLst/>
+            </a:prstGeom>
+            <a:grpFill/>
+          </p:spPr>
+          <p:txBody>
+            <a:bodyPr wrap="square" rtlCol="0">
+              <a:spAutoFit/>
+            </a:bodyPr>
+            <a:lstStyle/>
+            <a:p>
+              <a:endParaRPr lang="en-US" dirty="0"/>
+            </a:p>
+          </p:txBody>
+        </p:sp>
+        <p:sp>
+          <p:nvSpPr>
+            <p:cNvPr id="50" name="TextBox 49">
+              <a:extLst>
+                <a:ext uri="{FF2B5EF4-FFF2-40B4-BE49-F238E27FC236}">
+                  <a16:creationId xmlns:a16="http://schemas.microsoft.com/office/drawing/2014/main" id="{E1F64840-712C-4C5D-9798-FC1093CD85E2}"/>
+                </a:ext>
+              </a:extLst>
+            </p:cNvPr>
+            <p:cNvSpPr txBox="1"/>
+            <p:nvPr/>
+          </p:nvSpPr>
+          <p:spPr>
+            <a:xfrm>
+              <a:off x="5663954" y="874692"/>
+              <a:ext cx="1757778" cy="954107"/>
+            </a:xfrm>
+            <a:prstGeom prst="rect">
+              <a:avLst/>
+            </a:prstGeom>
+            <a:grpFill/>
+          </p:spPr>
+          <p:txBody>
+            <a:bodyPr wrap="square" rtlCol="0">
+              <a:spAutoFit/>
+            </a:bodyPr>
+            <a:lstStyle/>
+            <a:p>
+              <a:r>
+                <a:rPr lang="en-US" sz="2800" dirty="0"/>
+                <a:t>calculate features</a:t>
+              </a:r>
+            </a:p>
+          </p:txBody>
+        </p:sp>
+      </p:grpSp>
+      <p:cxnSp>
+        <p:nvCxnSpPr>
+          <p:cNvPr id="51" name="Straight Arrow Connector 50">
+            <a:extLst>
+              <a:ext uri="{FF2B5EF4-FFF2-40B4-BE49-F238E27FC236}">
+                <a16:creationId xmlns:a16="http://schemas.microsoft.com/office/drawing/2014/main" id="{98AA9B32-529A-482C-96D4-3A8A657B5597}"/>
+              </a:ext>
+            </a:extLst>
+          </p:cNvPr>
+          <p:cNvCxnSpPr>
+            <a:cxnSpLocks/>
+          </p:cNvCxnSpPr>
+          <p:nvPr/>
+        </p:nvCxnSpPr>
+        <p:spPr>
+          <a:xfrm flipV="1">
+            <a:off x="3432700" y="5027427"/>
+            <a:ext cx="1322775" cy="2"/>
+          </a:xfrm>
+          <a:prstGeom prst="straightConnector1">
+            <a:avLst/>
+          </a:prstGeom>
+          <a:ln w="57150">
+            <a:solidFill>
+              <a:schemeClr val="accent1">
+                <a:lumMod val="60000"/>
+                <a:lumOff val="40000"/>
+              </a:schemeClr>
+            </a:solidFill>
+            <a:tailEnd type="triangle"/>
+          </a:ln>
+        </p:spPr>
+        <p:style>
+          <a:lnRef idx="1">
+            <a:schemeClr val="accent1"/>
+          </a:lnRef>
+          <a:fillRef idx="0">
+            <a:schemeClr val="accent1"/>
+          </a:fillRef>
+          <a:effectRef idx="0">
+            <a:schemeClr val="accent1"/>
+          </a:effectRef>
+          <a:fontRef idx="minor">
+            <a:schemeClr val="tx1"/>
+          </a:fontRef>
+        </p:style>
+      </p:cxnSp>
+      <p:cxnSp>
+        <p:nvCxnSpPr>
+          <p:cNvPr id="52" name="Straight Arrow Connector 51">
+            <a:extLst>
+              <a:ext uri="{FF2B5EF4-FFF2-40B4-BE49-F238E27FC236}">
+                <a16:creationId xmlns:a16="http://schemas.microsoft.com/office/drawing/2014/main" id="{5DB48F28-F5B7-4F0D-989E-EE5CE192B398}"/>
+              </a:ext>
+            </a:extLst>
+          </p:cNvPr>
+          <p:cNvCxnSpPr>
+            <a:cxnSpLocks/>
+          </p:cNvCxnSpPr>
+          <p:nvPr/>
+        </p:nvCxnSpPr>
+        <p:spPr>
+          <a:xfrm flipV="1">
+            <a:off x="7039989" y="5060995"/>
+            <a:ext cx="1828802" cy="6459"/>
+          </a:xfrm>
+          <a:prstGeom prst="straightConnector1">
+            <a:avLst/>
+          </a:prstGeom>
+          <a:ln w="57150">
+            <a:solidFill>
+              <a:schemeClr val="accent1">
+                <a:lumMod val="60000"/>
+                <a:lumOff val="40000"/>
+              </a:schemeClr>
+            </a:solidFill>
+            <a:tailEnd type="triangle"/>
+          </a:ln>
+        </p:spPr>
+        <p:style>
+          <a:lnRef idx="1">
+            <a:schemeClr val="accent1"/>
+          </a:lnRef>
+          <a:fillRef idx="0">
+            <a:schemeClr val="accent1"/>
+          </a:fillRef>
+          <a:effectRef idx="0">
+            <a:schemeClr val="accent1"/>
+          </a:effectRef>
+          <a:fontRef idx="minor">
+            <a:schemeClr val="tx1"/>
+          </a:fontRef>
+        </p:style>
+      </p:cxnSp>
+      <p:cxnSp>
+        <p:nvCxnSpPr>
+          <p:cNvPr id="53" name="Straight Arrow Connector 52">
+            <a:extLst>
+              <a:ext uri="{FF2B5EF4-FFF2-40B4-BE49-F238E27FC236}">
+                <a16:creationId xmlns:a16="http://schemas.microsoft.com/office/drawing/2014/main" id="{F533E154-9569-475E-8106-87C0A626AE41}"/>
+              </a:ext>
+            </a:extLst>
+          </p:cNvPr>
+          <p:cNvCxnSpPr>
+            <a:cxnSpLocks/>
+          </p:cNvCxnSpPr>
+          <p:nvPr/>
+        </p:nvCxnSpPr>
+        <p:spPr>
+          <a:xfrm flipH="1">
+            <a:off x="9948909" y="5477522"/>
+            <a:ext cx="1" cy="630315"/>
+          </a:xfrm>
+          <a:prstGeom prst="straightConnector1">
+            <a:avLst/>
+          </a:prstGeom>
+          <a:ln w="57150">
+            <a:solidFill>
+              <a:schemeClr val="accent1">
+                <a:lumMod val="60000"/>
+                <a:lumOff val="40000"/>
+              </a:schemeClr>
+            </a:solidFill>
+            <a:tailEnd type="triangle"/>
+          </a:ln>
+        </p:spPr>
+        <p:style>
+          <a:lnRef idx="1">
+            <a:schemeClr val="accent1"/>
+          </a:lnRef>
+          <a:fillRef idx="0">
+            <a:schemeClr val="accent1"/>
+          </a:fillRef>
+          <a:effectRef idx="0">
+            <a:schemeClr val="accent1"/>
+          </a:effectRef>
+          <a:fontRef idx="minor">
+            <a:schemeClr val="tx1"/>
+          </a:fontRef>
+        </p:style>
+      </p:cxnSp>
+      <p:grpSp>
+        <p:nvGrpSpPr>
+          <p:cNvPr id="55" name="Group 54">
+            <a:extLst>
+              <a:ext uri="{FF2B5EF4-FFF2-40B4-BE49-F238E27FC236}">
+                <a16:creationId xmlns:a16="http://schemas.microsoft.com/office/drawing/2014/main" id="{04E2CA2E-28E1-450A-8EAD-906A10983257}"/>
+              </a:ext>
+            </a:extLst>
+          </p:cNvPr>
+          <p:cNvGrpSpPr/>
+          <p:nvPr/>
+        </p:nvGrpSpPr>
+        <p:grpSpPr>
+          <a:xfrm>
+            <a:off x="9170633" y="6107088"/>
+            <a:ext cx="1757779" cy="630315"/>
+            <a:chOff x="5344357" y="710214"/>
+            <a:chExt cx="2077375" cy="1269506"/>
+          </a:xfrm>
+          <a:solidFill>
+            <a:schemeClr val="accent1">
+              <a:lumMod val="60000"/>
+              <a:lumOff val="40000"/>
+            </a:schemeClr>
+          </a:solidFill>
+        </p:grpSpPr>
+        <p:sp>
+          <p:nvSpPr>
+            <p:cNvPr id="56" name="TextBox 55">
+              <a:extLst>
+                <a:ext uri="{FF2B5EF4-FFF2-40B4-BE49-F238E27FC236}">
+                  <a16:creationId xmlns:a16="http://schemas.microsoft.com/office/drawing/2014/main" id="{5559EF23-37DF-4DC0-B61F-DD2CF6EF2C9A}"/>
+                </a:ext>
+              </a:extLst>
+            </p:cNvPr>
+            <p:cNvSpPr txBox="1"/>
+            <p:nvPr/>
+          </p:nvSpPr>
+          <p:spPr>
+            <a:xfrm>
+              <a:off x="5344357" y="710214"/>
+              <a:ext cx="2077375" cy="1269506"/>
+            </a:xfrm>
+            <a:prstGeom prst="rect">
+              <a:avLst/>
+            </a:prstGeom>
+            <a:grpFill/>
+          </p:spPr>
+          <p:txBody>
+            <a:bodyPr wrap="square" rtlCol="0">
+              <a:spAutoFit/>
+            </a:bodyPr>
+            <a:lstStyle/>
+            <a:p>
+              <a:endParaRPr lang="en-US" dirty="0"/>
+            </a:p>
+          </p:txBody>
+        </p:sp>
+        <p:sp>
+          <p:nvSpPr>
+            <p:cNvPr id="57" name="TextBox 56">
+              <a:extLst>
+                <a:ext uri="{FF2B5EF4-FFF2-40B4-BE49-F238E27FC236}">
+                  <a16:creationId xmlns:a16="http://schemas.microsoft.com/office/drawing/2014/main" id="{DE3B40AD-8971-4A5F-8340-1B10B142CBAE}"/>
+                </a:ext>
+              </a:extLst>
+            </p:cNvPr>
+            <p:cNvSpPr txBox="1"/>
+            <p:nvPr/>
+          </p:nvSpPr>
+          <p:spPr>
+            <a:xfrm>
+              <a:off x="5663954" y="874692"/>
+              <a:ext cx="1757778" cy="1053807"/>
+            </a:xfrm>
+            <a:prstGeom prst="rect">
+              <a:avLst/>
+            </a:prstGeom>
+            <a:grpFill/>
+          </p:spPr>
+          <p:txBody>
+            <a:bodyPr wrap="square" rtlCol="0">
+              <a:spAutoFit/>
+            </a:bodyPr>
+            <a:lstStyle/>
+            <a:p>
+              <a:r>
+                <a:rPr lang="en-US" sz="2800" dirty="0"/>
+                <a:t> output</a:t>
+              </a:r>
+            </a:p>
+          </p:txBody>
+        </p:sp>
+      </p:grpSp>
+    </p:spTree>
+    <p:extLst>
+      <p:ext uri="{BB962C8B-B14F-4D97-AF65-F5344CB8AC3E}">
+        <p14:creationId xmlns:p14="http://schemas.microsoft.com/office/powerpoint/2010/main" val="1717555099"/>
+      </p:ext>
+    </p:extLst>
+  </p:cSld>
+  <p:clrMapOvr>
+    <a:masterClrMapping/>
+  </p:clrMapOvr>
+</p:sld>
+</file>
+
+<file path=ppt/slides/slide5.xml><?xml version="1.0" encoding="utf-8"?>
+<p:sld xmlns:a="http://schemas.openxmlformats.org/drawingml/2006/main" xmlns:r="http://schemas.openxmlformats.org/officeDocument/2006/relationships" xmlns:p="http://schemas.openxmlformats.org/presentationml/2006/main">
+  <p:cSld>
+    <p:spTree>
+      <p:nvGrpSpPr>
+        <p:cNvPr id="1" name=""/>
+        <p:cNvGrpSpPr/>
+        <p:nvPr/>
+      </p:nvGrpSpPr>
+      <p:grpSpPr>
+        <a:xfrm>
+          <a:off x="0" y="0"/>
+          <a:ext cx="0" cy="0"/>
+          <a:chOff x="0" y="0"/>
+          <a:chExt cx="0" cy="0"/>
+        </a:xfrm>
+      </p:grpSpPr>
+      <p:grpSp>
+        <p:nvGrpSpPr>
+          <p:cNvPr id="9" name="Group 8">
+            <a:extLst>
+              <a:ext uri="{FF2B5EF4-FFF2-40B4-BE49-F238E27FC236}">
+                <a16:creationId xmlns:a16="http://schemas.microsoft.com/office/drawing/2014/main" id="{B9A51E66-9247-459A-B64F-16E3AD6DCF0D}"/>
+              </a:ext>
+            </a:extLst>
+          </p:cNvPr>
+          <p:cNvGrpSpPr/>
+          <p:nvPr/>
+        </p:nvGrpSpPr>
+        <p:grpSpPr>
+          <a:xfrm>
+            <a:off x="870012" y="710214"/>
+            <a:ext cx="2539013" cy="1118585"/>
+            <a:chOff x="870012" y="710214"/>
+            <a:chExt cx="2618912" cy="1269506"/>
+          </a:xfrm>
+        </p:grpSpPr>
+        <p:sp>
+          <p:nvSpPr>
+            <p:cNvPr id="4" name="Rectangle 3">
+              <a:extLst>
+                <a:ext uri="{FF2B5EF4-FFF2-40B4-BE49-F238E27FC236}">
+                  <a16:creationId xmlns:a16="http://schemas.microsoft.com/office/drawing/2014/main" id="{2FB6FE31-1474-4C9E-B00A-B11A2B170350}"/>
+                </a:ext>
+              </a:extLst>
+            </p:cNvPr>
+            <p:cNvSpPr/>
+            <p:nvPr/>
+          </p:nvSpPr>
+          <p:spPr>
+            <a:xfrm>
+              <a:off x="870012" y="710214"/>
+              <a:ext cx="2618912" cy="1269506"/>
+            </a:xfrm>
+            <a:prstGeom prst="rect">
+              <a:avLst/>
+            </a:prstGeom>
+            <a:solidFill>
+              <a:schemeClr val="bg2">
+                <a:lumMod val="90000"/>
+              </a:schemeClr>
+            </a:solidFill>
+            <a:ln>
+              <a:solidFill>
+                <a:schemeClr val="bg1">
+                  <a:lumMod val="95000"/>
+                </a:schemeClr>
+              </a:solidFill>
+            </a:ln>
+          </p:spPr>
+          <p:style>
+            <a:lnRef idx="2">
+              <a:schemeClr val="accent1">
+                <a:shade val="50000"/>
+              </a:schemeClr>
+            </a:lnRef>
+            <a:fillRef idx="1">
+              <a:schemeClr val="accent1"/>
+            </a:fillRef>
+            <a:effectRef idx="0">
+              <a:schemeClr val="accent1"/>
+            </a:effectRef>
+            <a:fontRef idx="minor">
+              <a:schemeClr val="lt1"/>
+            </a:fontRef>
+          </p:style>
+          <p:txBody>
+            <a:bodyPr rtlCol="0" anchor="ctr"/>
+            <a:lstStyle/>
+            <a:p>
+              <a:pPr algn="ctr"/>
+              <a:endParaRPr lang="en-US"/>
+            </a:p>
+          </p:txBody>
+        </p:sp>
+        <p:sp>
+          <p:nvSpPr>
+            <p:cNvPr id="5" name="TextBox 4">
+              <a:extLst>
+                <a:ext uri="{FF2B5EF4-FFF2-40B4-BE49-F238E27FC236}">
+                  <a16:creationId xmlns:a16="http://schemas.microsoft.com/office/drawing/2014/main" id="{44C507EC-EABF-41C3-8306-7F07EB4FE004}"/>
+                </a:ext>
+              </a:extLst>
+            </p:cNvPr>
+            <p:cNvSpPr txBox="1"/>
+            <p:nvPr/>
+          </p:nvSpPr>
+          <p:spPr>
+            <a:xfrm>
+              <a:off x="1233994" y="867912"/>
+              <a:ext cx="1890943" cy="1082836"/>
+            </a:xfrm>
+            <a:prstGeom prst="rect">
+              <a:avLst/>
+            </a:prstGeom>
+            <a:noFill/>
+          </p:spPr>
+          <p:txBody>
+            <a:bodyPr wrap="square" rtlCol="0">
+              <a:spAutoFit/>
+            </a:bodyPr>
+            <a:lstStyle/>
+            <a:p>
+              <a:pPr algn="ctr"/>
+              <a:r>
+                <a:rPr lang="en-US" sz="2800" dirty="0"/>
+                <a:t>problem space</a:t>
+              </a:r>
+            </a:p>
+          </p:txBody>
+        </p:sp>
+      </p:grpSp>
+      <p:grpSp>
+        <p:nvGrpSpPr>
+          <p:cNvPr id="8" name="Group 7">
+            <a:extLst>
+              <a:ext uri="{FF2B5EF4-FFF2-40B4-BE49-F238E27FC236}">
+                <a16:creationId xmlns:a16="http://schemas.microsoft.com/office/drawing/2014/main" id="{DB6A6962-9328-4941-B121-09737F8A8E61}"/>
+              </a:ext>
+            </a:extLst>
+          </p:cNvPr>
+          <p:cNvGrpSpPr/>
+          <p:nvPr/>
+        </p:nvGrpSpPr>
+        <p:grpSpPr>
+          <a:xfrm>
+            <a:off x="870012" y="2794247"/>
+            <a:ext cx="2539013" cy="1118585"/>
+            <a:chOff x="870012" y="3330606"/>
+            <a:chExt cx="2618912" cy="1269506"/>
+          </a:xfrm>
+        </p:grpSpPr>
+        <p:sp>
+          <p:nvSpPr>
+            <p:cNvPr id="6" name="Rectangle 5">
+              <a:extLst>
+                <a:ext uri="{FF2B5EF4-FFF2-40B4-BE49-F238E27FC236}">
+                  <a16:creationId xmlns:a16="http://schemas.microsoft.com/office/drawing/2014/main" id="{7D5F2573-39FE-4BA4-9CC1-92A92F8BCE07}"/>
+                </a:ext>
+              </a:extLst>
+            </p:cNvPr>
+            <p:cNvSpPr/>
+            <p:nvPr/>
+          </p:nvSpPr>
+          <p:spPr>
+            <a:xfrm>
+              <a:off x="870012" y="3330606"/>
+              <a:ext cx="2618912" cy="1269506"/>
+            </a:xfrm>
+            <a:prstGeom prst="rect">
+              <a:avLst/>
+            </a:prstGeom>
+            <a:solidFill>
+              <a:schemeClr val="bg2">
+                <a:lumMod val="90000"/>
+              </a:schemeClr>
+            </a:solidFill>
+            <a:ln>
+              <a:solidFill>
+                <a:schemeClr val="bg2">
+                  <a:lumMod val="90000"/>
+                </a:schemeClr>
+              </a:solidFill>
+            </a:ln>
+          </p:spPr>
+          <p:style>
+            <a:lnRef idx="2">
+              <a:schemeClr val="accent1">
+                <a:shade val="50000"/>
+              </a:schemeClr>
+            </a:lnRef>
+            <a:fillRef idx="1">
+              <a:schemeClr val="accent1"/>
+            </a:fillRef>
+            <a:effectRef idx="0">
+              <a:schemeClr val="accent1"/>
+            </a:effectRef>
+            <a:fontRef idx="minor">
+              <a:schemeClr val="lt1"/>
+            </a:fontRef>
+          </p:style>
+          <p:txBody>
+            <a:bodyPr rtlCol="0" anchor="ctr"/>
+            <a:lstStyle/>
+            <a:p>
+              <a:pPr algn="ctr"/>
+              <a:endParaRPr lang="en-US" dirty="0"/>
+            </a:p>
+          </p:txBody>
+        </p:sp>
+        <p:sp>
+          <p:nvSpPr>
+            <p:cNvPr id="7" name="TextBox 6">
+              <a:extLst>
+                <a:ext uri="{FF2B5EF4-FFF2-40B4-BE49-F238E27FC236}">
+                  <a16:creationId xmlns:a16="http://schemas.microsoft.com/office/drawing/2014/main" id="{EDD801CF-94C8-48A7-8653-14E4D4CAA5D1}"/>
+                </a:ext>
+              </a:extLst>
+            </p:cNvPr>
+            <p:cNvSpPr txBox="1"/>
+            <p:nvPr/>
+          </p:nvSpPr>
+          <p:spPr>
+            <a:xfrm>
+              <a:off x="1136340" y="3488304"/>
+              <a:ext cx="2086253" cy="1082836"/>
+            </a:xfrm>
+            <a:prstGeom prst="rect">
+              <a:avLst/>
+            </a:prstGeom>
+            <a:noFill/>
+          </p:spPr>
+          <p:txBody>
+            <a:bodyPr wrap="square" rtlCol="0">
+              <a:spAutoFit/>
+            </a:bodyPr>
+            <a:lstStyle/>
+            <a:p>
+              <a:pPr algn="ctr"/>
+              <a:r>
+                <a:rPr lang="en-US" sz="2800" dirty="0"/>
+                <a:t>algorithm space</a:t>
+              </a:r>
+            </a:p>
+          </p:txBody>
+        </p:sp>
+      </p:grpSp>
+      <p:grpSp>
+        <p:nvGrpSpPr>
+          <p:cNvPr id="12" name="Group 11">
+            <a:extLst>
+              <a:ext uri="{FF2B5EF4-FFF2-40B4-BE49-F238E27FC236}">
+                <a16:creationId xmlns:a16="http://schemas.microsoft.com/office/drawing/2014/main" id="{48153331-C96D-4477-AD09-A2A5EB9181E7}"/>
+              </a:ext>
+            </a:extLst>
+          </p:cNvPr>
+          <p:cNvGrpSpPr/>
+          <p:nvPr/>
+        </p:nvGrpSpPr>
+        <p:grpSpPr>
+          <a:xfrm>
+            <a:off x="4731798" y="710214"/>
+            <a:ext cx="2308193" cy="1209582"/>
+            <a:chOff x="5344357" y="710214"/>
+            <a:chExt cx="2077375" cy="1269506"/>
+          </a:xfrm>
+        </p:grpSpPr>
+        <p:sp>
+          <p:nvSpPr>
+            <p:cNvPr id="10" name="TextBox 9">
+              <a:extLst>
+                <a:ext uri="{FF2B5EF4-FFF2-40B4-BE49-F238E27FC236}">
+                  <a16:creationId xmlns:a16="http://schemas.microsoft.com/office/drawing/2014/main" id="{ED3FDDCC-96BA-49B5-8FFE-4129D010391C}"/>
+                </a:ext>
+              </a:extLst>
+            </p:cNvPr>
+            <p:cNvSpPr txBox="1"/>
+            <p:nvPr/>
+          </p:nvSpPr>
+          <p:spPr>
+            <a:xfrm>
+              <a:off x="5344357" y="710214"/>
+              <a:ext cx="2077375" cy="1269506"/>
+            </a:xfrm>
+            <a:prstGeom prst="rect">
+              <a:avLst/>
+            </a:prstGeom>
+            <a:solidFill>
+              <a:schemeClr val="bg1">
+                <a:lumMod val="85000"/>
+              </a:schemeClr>
+            </a:solidFill>
+          </p:spPr>
+          <p:txBody>
+            <a:bodyPr wrap="square" rtlCol="0">
+              <a:spAutoFit/>
+            </a:bodyPr>
+            <a:lstStyle/>
+            <a:p>
+              <a:endParaRPr lang="en-US" dirty="0"/>
+            </a:p>
+          </p:txBody>
+        </p:sp>
+        <p:sp>
+          <p:nvSpPr>
+            <p:cNvPr id="11" name="TextBox 10">
+              <a:extLst>
+                <a:ext uri="{FF2B5EF4-FFF2-40B4-BE49-F238E27FC236}">
+                  <a16:creationId xmlns:a16="http://schemas.microsoft.com/office/drawing/2014/main" id="{05486F2F-8640-45E4-A42D-56BE8E3A2E51}"/>
+                </a:ext>
+              </a:extLst>
+            </p:cNvPr>
+            <p:cNvSpPr txBox="1"/>
+            <p:nvPr/>
+          </p:nvSpPr>
+          <p:spPr>
+            <a:xfrm>
+              <a:off x="5663954" y="874692"/>
+              <a:ext cx="1757778" cy="1001374"/>
+            </a:xfrm>
+            <a:prstGeom prst="rect">
+              <a:avLst/>
+            </a:prstGeom>
+            <a:noFill/>
+          </p:spPr>
+          <p:txBody>
+            <a:bodyPr wrap="square" rtlCol="0">
+              <a:spAutoFit/>
+            </a:bodyPr>
+            <a:lstStyle/>
+            <a:p>
+              <a:r>
+                <a:rPr lang="en-US" sz="2800" dirty="0"/>
+                <a:t>calculate features</a:t>
+              </a:r>
+            </a:p>
+          </p:txBody>
+        </p:sp>
+      </p:grpSp>
+      <p:grpSp>
+        <p:nvGrpSpPr>
+          <p:cNvPr id="15" name="Group 14">
+            <a:extLst>
+              <a:ext uri="{FF2B5EF4-FFF2-40B4-BE49-F238E27FC236}">
+                <a16:creationId xmlns:a16="http://schemas.microsoft.com/office/drawing/2014/main" id="{FBBDE58C-3AE5-4F20-AA80-630DF68B6753}"/>
+              </a:ext>
+            </a:extLst>
+          </p:cNvPr>
+          <p:cNvGrpSpPr/>
+          <p:nvPr/>
+        </p:nvGrpSpPr>
+        <p:grpSpPr>
+          <a:xfrm>
+            <a:off x="4731798" y="2794247"/>
+            <a:ext cx="2308194" cy="1209582"/>
+            <a:chOff x="5237825" y="2794247"/>
+            <a:chExt cx="2308194" cy="1269506"/>
+          </a:xfrm>
+          <a:solidFill>
+            <a:srgbClr val="92D050"/>
+          </a:solidFill>
+        </p:grpSpPr>
+        <p:sp>
+          <p:nvSpPr>
+            <p:cNvPr id="13" name="Rectangle 12">
+              <a:extLst>
+                <a:ext uri="{FF2B5EF4-FFF2-40B4-BE49-F238E27FC236}">
+                  <a16:creationId xmlns:a16="http://schemas.microsoft.com/office/drawing/2014/main" id="{893BB0EC-2314-4569-9B68-2A7287BA39D5}"/>
+                </a:ext>
+              </a:extLst>
+            </p:cNvPr>
+            <p:cNvSpPr/>
+            <p:nvPr/>
+          </p:nvSpPr>
+          <p:spPr>
+            <a:xfrm>
+              <a:off x="5237825" y="2794247"/>
+              <a:ext cx="2308194" cy="1269506"/>
+            </a:xfrm>
+            <a:prstGeom prst="rect">
+              <a:avLst/>
+            </a:prstGeom>
+            <a:grpFill/>
+            <a:ln>
+              <a:solidFill>
+                <a:schemeClr val="bg2">
+                  <a:lumMod val="90000"/>
+                </a:schemeClr>
+              </a:solidFill>
+            </a:ln>
+          </p:spPr>
+          <p:style>
+            <a:lnRef idx="2">
+              <a:schemeClr val="accent1">
+                <a:shade val="50000"/>
+              </a:schemeClr>
+            </a:lnRef>
+            <a:fillRef idx="1">
+              <a:schemeClr val="accent1"/>
+            </a:fillRef>
+            <a:effectRef idx="0">
+              <a:schemeClr val="accent1"/>
+            </a:effectRef>
+            <a:fontRef idx="minor">
+              <a:schemeClr val="lt1"/>
+            </a:fontRef>
+          </p:style>
+          <p:txBody>
+            <a:bodyPr rtlCol="0" anchor="ctr"/>
+            <a:lstStyle/>
+            <a:p>
+              <a:pPr algn="ctr"/>
+              <a:endParaRPr lang="en-US"/>
+            </a:p>
+          </p:txBody>
+        </p:sp>
+        <p:sp>
+          <p:nvSpPr>
+            <p:cNvPr id="14" name="TextBox 13">
+              <a:extLst>
+                <a:ext uri="{FF2B5EF4-FFF2-40B4-BE49-F238E27FC236}">
+                  <a16:creationId xmlns:a16="http://schemas.microsoft.com/office/drawing/2014/main" id="{088DE6D7-6BC3-40D9-AFAB-13C7BFD89D02}"/>
+                </a:ext>
+              </a:extLst>
+            </p:cNvPr>
+            <p:cNvSpPr txBox="1"/>
+            <p:nvPr/>
+          </p:nvSpPr>
+          <p:spPr>
+            <a:xfrm>
+              <a:off x="5344358" y="2951946"/>
+              <a:ext cx="2077374" cy="1001374"/>
+            </a:xfrm>
+            <a:prstGeom prst="rect">
+              <a:avLst/>
+            </a:prstGeom>
+            <a:grpFill/>
+            <a:ln>
+              <a:solidFill>
+                <a:srgbClr val="92D050"/>
+              </a:solidFill>
+            </a:ln>
+          </p:spPr>
+          <p:txBody>
+            <a:bodyPr wrap="square" rtlCol="0">
+              <a:spAutoFit/>
+            </a:bodyPr>
+            <a:lstStyle/>
+            <a:p>
+              <a:r>
+                <a:rPr lang="en-US" sz="2800" dirty="0"/>
+                <a:t>algorithm performance</a:t>
+              </a:r>
+            </a:p>
+          </p:txBody>
+        </p:sp>
+      </p:grpSp>
+      <p:grpSp>
+        <p:nvGrpSpPr>
+          <p:cNvPr id="19" name="Group 18">
+            <a:extLst>
+              <a:ext uri="{FF2B5EF4-FFF2-40B4-BE49-F238E27FC236}">
+                <a16:creationId xmlns:a16="http://schemas.microsoft.com/office/drawing/2014/main" id="{4263E621-3D28-4626-BC47-9FA959102291}"/>
+              </a:ext>
+            </a:extLst>
+          </p:cNvPr>
+          <p:cNvGrpSpPr/>
+          <p:nvPr/>
+        </p:nvGrpSpPr>
+        <p:grpSpPr>
+          <a:xfrm>
+            <a:off x="8575830" y="866928"/>
+            <a:ext cx="2746157" cy="2986645"/>
+            <a:chOff x="9179512" y="1287262"/>
+            <a:chExt cx="2308194" cy="2343705"/>
+          </a:xfrm>
+          <a:solidFill>
+            <a:srgbClr val="92D050"/>
+          </a:solidFill>
+        </p:grpSpPr>
+        <p:sp>
+          <p:nvSpPr>
+            <p:cNvPr id="17" name="Oval 16">
+              <a:extLst>
+                <a:ext uri="{FF2B5EF4-FFF2-40B4-BE49-F238E27FC236}">
+                  <a16:creationId xmlns:a16="http://schemas.microsoft.com/office/drawing/2014/main" id="{A61AE73F-F0D2-4030-A171-14D53DC8BEC9}"/>
+                </a:ext>
+              </a:extLst>
+            </p:cNvPr>
+            <p:cNvSpPr/>
+            <p:nvPr/>
+          </p:nvSpPr>
+          <p:spPr>
+            <a:xfrm>
+              <a:off x="9179512" y="1287262"/>
+              <a:ext cx="2308194" cy="2343705"/>
+            </a:xfrm>
+            <a:prstGeom prst="ellipse">
+              <a:avLst/>
+            </a:prstGeom>
+            <a:grpFill/>
+            <a:ln>
+              <a:solidFill>
+                <a:schemeClr val="bg2">
+                  <a:lumMod val="90000"/>
+                </a:schemeClr>
+              </a:solidFill>
+            </a:ln>
+          </p:spPr>
+          <p:style>
+            <a:lnRef idx="2">
+              <a:schemeClr val="accent1">
+                <a:shade val="50000"/>
+              </a:schemeClr>
+            </a:lnRef>
+            <a:fillRef idx="1">
+              <a:schemeClr val="accent1"/>
+            </a:fillRef>
+            <a:effectRef idx="0">
+              <a:schemeClr val="accent1"/>
+            </a:effectRef>
+            <a:fontRef idx="minor">
+              <a:schemeClr val="lt1"/>
+            </a:fontRef>
+          </p:style>
+          <p:txBody>
+            <a:bodyPr rtlCol="0" anchor="ctr"/>
+            <a:lstStyle/>
+            <a:p>
+              <a:pPr algn="ctr"/>
+              <a:endParaRPr lang="en-US" dirty="0"/>
+            </a:p>
+          </p:txBody>
+        </p:sp>
+        <p:sp>
+          <p:nvSpPr>
+            <p:cNvPr id="18" name="TextBox 17">
+              <a:extLst>
+                <a:ext uri="{FF2B5EF4-FFF2-40B4-BE49-F238E27FC236}">
+                  <a16:creationId xmlns:a16="http://schemas.microsoft.com/office/drawing/2014/main" id="{1416F813-9294-4944-9AF4-A988DE6CD513}"/>
+                </a:ext>
+              </a:extLst>
+            </p:cNvPr>
+            <p:cNvSpPr txBox="1"/>
+            <p:nvPr/>
+          </p:nvSpPr>
+          <p:spPr>
+            <a:xfrm>
+              <a:off x="9825373" y="1966466"/>
+              <a:ext cx="1510611" cy="845324"/>
+            </a:xfrm>
+            <a:prstGeom prst="rect">
+              <a:avLst/>
+            </a:prstGeom>
+            <a:grpFill/>
+            <a:ln>
+              <a:solidFill>
+                <a:srgbClr val="92D050"/>
+              </a:solidFill>
+            </a:ln>
+          </p:spPr>
+          <p:txBody>
+            <a:bodyPr wrap="square" rtlCol="0">
+              <a:spAutoFit/>
+            </a:bodyPr>
+            <a:lstStyle/>
+            <a:p>
+              <a:r>
+                <a:rPr lang="en-US" sz="3200" dirty="0"/>
+                <a:t>train a model</a:t>
+              </a:r>
+            </a:p>
+          </p:txBody>
+        </p:sp>
+      </p:grpSp>
+      <p:sp>
+        <p:nvSpPr>
+          <p:cNvPr id="20" name="Rectangle 19">
+            <a:extLst>
+              <a:ext uri="{FF2B5EF4-FFF2-40B4-BE49-F238E27FC236}">
+                <a16:creationId xmlns:a16="http://schemas.microsoft.com/office/drawing/2014/main" id="{4ED87076-4FB0-403C-AE2B-C9A2119FE4BB}"/>
+              </a:ext>
+            </a:extLst>
+          </p:cNvPr>
+          <p:cNvSpPr/>
+          <p:nvPr/>
+        </p:nvSpPr>
+        <p:spPr>
+          <a:xfrm>
+            <a:off x="8868792" y="4616388"/>
+            <a:ext cx="2429520" cy="861134"/>
+          </a:xfrm>
+          <a:prstGeom prst="rect">
+            <a:avLst/>
+          </a:prstGeom>
+          <a:solidFill>
+            <a:srgbClr val="92D050"/>
+          </a:solidFill>
+          <a:ln>
+            <a:solidFill>
+              <a:srgbClr val="92D050"/>
+            </a:solidFill>
+          </a:ln>
+        </p:spPr>
+        <p:style>
+          <a:lnRef idx="2">
+            <a:schemeClr val="accent1">
+              <a:shade val="50000"/>
+            </a:schemeClr>
+          </a:lnRef>
+          <a:fillRef idx="1">
+            <a:schemeClr val="accent1"/>
+          </a:fillRef>
+          <a:effectRef idx="0">
+            <a:schemeClr val="accent1"/>
+          </a:effectRef>
+          <a:fontRef idx="minor">
+            <a:schemeClr val="lt1"/>
+          </a:fontRef>
+        </p:style>
+        <p:txBody>
+          <a:bodyPr rtlCol="0" anchor="ctr"/>
+          <a:lstStyle/>
+          <a:p>
+            <a:pPr algn="ctr"/>
+            <a:endParaRPr lang="en-US"/>
+          </a:p>
+        </p:txBody>
+      </p:sp>
+      <p:sp>
+        <p:nvSpPr>
+          <p:cNvPr id="21" name="TextBox 20">
+            <a:extLst>
+              <a:ext uri="{FF2B5EF4-FFF2-40B4-BE49-F238E27FC236}">
+                <a16:creationId xmlns:a16="http://schemas.microsoft.com/office/drawing/2014/main" id="{A44FEF9B-3075-4D25-9078-F0E56ADA0640}"/>
+              </a:ext>
+            </a:extLst>
+          </p:cNvPr>
+          <p:cNvSpPr txBox="1"/>
+          <p:nvPr/>
+        </p:nvSpPr>
+        <p:spPr>
+          <a:xfrm>
+            <a:off x="9108489" y="4785345"/>
+            <a:ext cx="2189823" cy="523220"/>
+          </a:xfrm>
+          <a:prstGeom prst="rect">
+            <a:avLst/>
+          </a:prstGeom>
+          <a:noFill/>
+        </p:spPr>
+        <p:txBody>
+          <a:bodyPr wrap="square" rtlCol="0">
+            <a:spAutoFit/>
+          </a:bodyPr>
+          <a:lstStyle/>
+          <a:p>
+            <a:r>
+              <a:rPr lang="en-US" sz="2800" dirty="0"/>
+              <a:t>meta-learner</a:t>
+            </a:r>
+          </a:p>
+        </p:txBody>
+      </p:sp>
+      <p:cxnSp>
+        <p:nvCxnSpPr>
+          <p:cNvPr id="34" name="Straight Arrow Connector 33">
+            <a:extLst>
+              <a:ext uri="{FF2B5EF4-FFF2-40B4-BE49-F238E27FC236}">
+                <a16:creationId xmlns:a16="http://schemas.microsoft.com/office/drawing/2014/main" id="{3F027A0E-C919-410A-97D8-31E2545A3E7B}"/>
+              </a:ext>
+            </a:extLst>
+          </p:cNvPr>
+          <p:cNvCxnSpPr>
+            <a:cxnSpLocks/>
+            <a:endCxn id="13" idx="1"/>
+          </p:cNvCxnSpPr>
+          <p:nvPr/>
+        </p:nvCxnSpPr>
+        <p:spPr>
+          <a:xfrm flipV="1">
+            <a:off x="3409023" y="3399038"/>
+            <a:ext cx="1322775" cy="2"/>
+          </a:xfrm>
+          <a:prstGeom prst="straightConnector1">
+            <a:avLst/>
+          </a:prstGeom>
+          <a:ln w="57150">
+            <a:solidFill>
+              <a:schemeClr val="bg2">
+                <a:lumMod val="90000"/>
+              </a:schemeClr>
+            </a:solidFill>
+            <a:tailEnd type="triangle"/>
+          </a:ln>
+        </p:spPr>
+        <p:style>
+          <a:lnRef idx="1">
+            <a:schemeClr val="accent1"/>
+          </a:lnRef>
+          <a:fillRef idx="0">
+            <a:schemeClr val="accent1"/>
+          </a:fillRef>
+          <a:effectRef idx="0">
+            <a:schemeClr val="accent1"/>
+          </a:effectRef>
+          <a:fontRef idx="minor">
+            <a:schemeClr val="tx1"/>
+          </a:fontRef>
+        </p:style>
+      </p:cxnSp>
+      <p:cxnSp>
+        <p:nvCxnSpPr>
+          <p:cNvPr id="37" name="Straight Arrow Connector 36">
+            <a:extLst>
+              <a:ext uri="{FF2B5EF4-FFF2-40B4-BE49-F238E27FC236}">
+                <a16:creationId xmlns:a16="http://schemas.microsoft.com/office/drawing/2014/main" id="{D3FAE546-FAC6-4D4F-9A6E-354E67EC0035}"/>
+              </a:ext>
+            </a:extLst>
+          </p:cNvPr>
+          <p:cNvCxnSpPr>
+            <a:cxnSpLocks/>
+          </p:cNvCxnSpPr>
+          <p:nvPr/>
+        </p:nvCxnSpPr>
+        <p:spPr>
+          <a:xfrm flipV="1">
+            <a:off x="3409023" y="1295477"/>
+            <a:ext cx="1322775" cy="2"/>
+          </a:xfrm>
+          <a:prstGeom prst="straightConnector1">
+            <a:avLst/>
+          </a:prstGeom>
+          <a:ln w="57150">
+            <a:solidFill>
+              <a:schemeClr val="bg2">
+                <a:lumMod val="90000"/>
+              </a:schemeClr>
+            </a:solidFill>
+            <a:tailEnd type="triangle"/>
+          </a:ln>
+        </p:spPr>
+        <p:style>
+          <a:lnRef idx="1">
+            <a:schemeClr val="accent1"/>
+          </a:lnRef>
+          <a:fillRef idx="0">
+            <a:schemeClr val="accent1"/>
+          </a:fillRef>
+          <a:effectRef idx="0">
+            <a:schemeClr val="accent1"/>
+          </a:effectRef>
+          <a:fontRef idx="minor">
+            <a:schemeClr val="tx1"/>
+          </a:fontRef>
+        </p:style>
+      </p:cxnSp>
+      <p:cxnSp>
+        <p:nvCxnSpPr>
+          <p:cNvPr id="38" name="Straight Arrow Connector 37">
+            <a:extLst>
+              <a:ext uri="{FF2B5EF4-FFF2-40B4-BE49-F238E27FC236}">
+                <a16:creationId xmlns:a16="http://schemas.microsoft.com/office/drawing/2014/main" id="{BF085565-3EA0-4517-97EB-CD36766EB6AE}"/>
+              </a:ext>
+            </a:extLst>
+          </p:cNvPr>
+          <p:cNvCxnSpPr>
+            <a:cxnSpLocks/>
+          </p:cNvCxnSpPr>
+          <p:nvPr/>
+        </p:nvCxnSpPr>
+        <p:spPr>
+          <a:xfrm>
+            <a:off x="7039989" y="1315005"/>
+            <a:ext cx="1828803" cy="6458"/>
+          </a:xfrm>
+          <a:prstGeom prst="straightConnector1">
+            <a:avLst/>
+          </a:prstGeom>
+          <a:ln w="57150">
+            <a:solidFill>
+              <a:schemeClr val="bg2">
+                <a:lumMod val="90000"/>
+              </a:schemeClr>
+            </a:solidFill>
+            <a:tailEnd type="triangle"/>
+          </a:ln>
+        </p:spPr>
+        <p:style>
+          <a:lnRef idx="1">
+            <a:schemeClr val="accent1"/>
+          </a:lnRef>
+          <a:fillRef idx="0">
+            <a:schemeClr val="accent1"/>
+          </a:fillRef>
+          <a:effectRef idx="0">
+            <a:schemeClr val="accent1"/>
+          </a:effectRef>
+          <a:fontRef idx="minor">
+            <a:schemeClr val="tx1"/>
+          </a:fontRef>
+        </p:style>
+      </p:cxnSp>
+      <p:cxnSp>
+        <p:nvCxnSpPr>
+          <p:cNvPr id="40" name="Straight Arrow Connector 39">
+            <a:extLst>
+              <a:ext uri="{FF2B5EF4-FFF2-40B4-BE49-F238E27FC236}">
+                <a16:creationId xmlns:a16="http://schemas.microsoft.com/office/drawing/2014/main" id="{7A3DE0EF-B3C8-4816-BCAC-6F6E7BC71705}"/>
+              </a:ext>
+            </a:extLst>
+          </p:cNvPr>
+          <p:cNvCxnSpPr>
+            <a:cxnSpLocks/>
+          </p:cNvCxnSpPr>
+          <p:nvPr/>
+        </p:nvCxnSpPr>
+        <p:spPr>
+          <a:xfrm flipV="1">
+            <a:off x="7039990" y="3392580"/>
+            <a:ext cx="1828802" cy="6459"/>
+          </a:xfrm>
+          <a:prstGeom prst="straightConnector1">
+            <a:avLst/>
+          </a:prstGeom>
+          <a:ln w="57150">
+            <a:solidFill>
+              <a:schemeClr val="bg2">
+                <a:lumMod val="90000"/>
+              </a:schemeClr>
+            </a:solidFill>
+            <a:tailEnd type="triangle"/>
+          </a:ln>
+        </p:spPr>
+        <p:style>
+          <a:lnRef idx="1">
+            <a:schemeClr val="accent1"/>
+          </a:lnRef>
+          <a:fillRef idx="0">
+            <a:schemeClr val="accent1"/>
+          </a:fillRef>
+          <a:effectRef idx="0">
+            <a:schemeClr val="accent1"/>
+          </a:effectRef>
+          <a:fontRef idx="minor">
+            <a:schemeClr val="tx1"/>
+          </a:fontRef>
+        </p:style>
+      </p:cxnSp>
+      <p:cxnSp>
+        <p:nvCxnSpPr>
+          <p:cNvPr id="43" name="Straight Arrow Connector 42">
+            <a:extLst>
+              <a:ext uri="{FF2B5EF4-FFF2-40B4-BE49-F238E27FC236}">
+                <a16:creationId xmlns:a16="http://schemas.microsoft.com/office/drawing/2014/main" id="{5439F3D8-48AD-4139-9341-371B92C84A95}"/>
+              </a:ext>
+            </a:extLst>
+          </p:cNvPr>
+          <p:cNvCxnSpPr>
+            <a:cxnSpLocks/>
+            <a:stCxn id="17" idx="4"/>
+          </p:cNvCxnSpPr>
+          <p:nvPr/>
+        </p:nvCxnSpPr>
+        <p:spPr>
+          <a:xfrm flipH="1">
+            <a:off x="9948908" y="3853573"/>
+            <a:ext cx="1" cy="762815"/>
+          </a:xfrm>
+          <a:prstGeom prst="straightConnector1">
+            <a:avLst/>
+          </a:prstGeom>
+          <a:ln w="57150">
+            <a:solidFill>
+              <a:schemeClr val="bg2">
+                <a:lumMod val="90000"/>
+              </a:schemeClr>
+            </a:solidFill>
+            <a:tailEnd type="triangle"/>
+          </a:ln>
+        </p:spPr>
+        <p:style>
+          <a:lnRef idx="1">
+            <a:schemeClr val="accent1"/>
+          </a:lnRef>
+          <a:fillRef idx="0">
+            <a:schemeClr val="accent1"/>
+          </a:fillRef>
+          <a:effectRef idx="0">
+            <a:schemeClr val="accent1"/>
+          </a:effectRef>
+          <a:fontRef idx="minor">
+            <a:schemeClr val="tx1"/>
+          </a:fontRef>
+        </p:style>
+      </p:cxnSp>
+      <p:grpSp>
+        <p:nvGrpSpPr>
+          <p:cNvPr id="45" name="Group 44">
+            <a:extLst>
+              <a:ext uri="{FF2B5EF4-FFF2-40B4-BE49-F238E27FC236}">
+                <a16:creationId xmlns:a16="http://schemas.microsoft.com/office/drawing/2014/main" id="{756990A2-CA42-4861-9BC1-EA97E9E40142}"/>
+              </a:ext>
+            </a:extLst>
+          </p:cNvPr>
+          <p:cNvGrpSpPr/>
+          <p:nvPr/>
+        </p:nvGrpSpPr>
+        <p:grpSpPr>
+          <a:xfrm>
+            <a:off x="899604" y="4487662"/>
+            <a:ext cx="2539013" cy="1074859"/>
+            <a:chOff x="870012" y="3330606"/>
+            <a:chExt cx="2618912" cy="1269506"/>
+          </a:xfrm>
+          <a:solidFill>
+            <a:schemeClr val="accent1">
+              <a:lumMod val="60000"/>
+              <a:lumOff val="40000"/>
+            </a:schemeClr>
+          </a:solidFill>
+        </p:grpSpPr>
+        <p:sp>
+          <p:nvSpPr>
+            <p:cNvPr id="46" name="Rectangle 45">
+              <a:extLst>
+                <a:ext uri="{FF2B5EF4-FFF2-40B4-BE49-F238E27FC236}">
+                  <a16:creationId xmlns:a16="http://schemas.microsoft.com/office/drawing/2014/main" id="{4124BF56-81E5-4193-95BD-07009A0E8FB4}"/>
+                </a:ext>
+              </a:extLst>
+            </p:cNvPr>
+            <p:cNvSpPr/>
+            <p:nvPr/>
+          </p:nvSpPr>
+          <p:spPr>
+            <a:xfrm>
+              <a:off x="870012" y="3330606"/>
+              <a:ext cx="2618912" cy="1269506"/>
+            </a:xfrm>
+            <a:prstGeom prst="rect">
+              <a:avLst/>
+            </a:prstGeom>
+            <a:grpFill/>
+            <a:ln>
+              <a:solidFill>
+                <a:schemeClr val="bg2">
+                  <a:lumMod val="90000"/>
+                </a:schemeClr>
+              </a:solidFill>
+            </a:ln>
+          </p:spPr>
+          <p:style>
+            <a:lnRef idx="2">
+              <a:schemeClr val="accent1">
+                <a:shade val="50000"/>
+              </a:schemeClr>
+            </a:lnRef>
+            <a:fillRef idx="1">
+              <a:schemeClr val="accent1"/>
+            </a:fillRef>
+            <a:effectRef idx="0">
+              <a:schemeClr val="accent1"/>
+            </a:effectRef>
+            <a:fontRef idx="minor">
+              <a:schemeClr val="lt1"/>
+            </a:fontRef>
+          </p:style>
+          <p:txBody>
+            <a:bodyPr rtlCol="0" anchor="ctr"/>
+            <a:lstStyle/>
+            <a:p>
+              <a:pPr algn="ctr"/>
+              <a:endParaRPr lang="en-US" dirty="0"/>
+            </a:p>
+          </p:txBody>
+        </p:sp>
+        <p:sp>
+          <p:nvSpPr>
+            <p:cNvPr id="47" name="TextBox 46">
+              <a:extLst>
+                <a:ext uri="{FF2B5EF4-FFF2-40B4-BE49-F238E27FC236}">
+                  <a16:creationId xmlns:a16="http://schemas.microsoft.com/office/drawing/2014/main" id="{FC3B88E7-C045-4A46-8E3C-FB17739F2EE6}"/>
+                </a:ext>
+              </a:extLst>
+            </p:cNvPr>
+            <p:cNvSpPr txBox="1"/>
+            <p:nvPr/>
+          </p:nvSpPr>
+          <p:spPr>
+            <a:xfrm>
+              <a:off x="1105817" y="3628456"/>
+              <a:ext cx="2184705" cy="617970"/>
+            </a:xfrm>
+            <a:prstGeom prst="rect">
+              <a:avLst/>
+            </a:prstGeom>
+            <a:grpFill/>
+          </p:spPr>
+          <p:txBody>
+            <a:bodyPr wrap="square" rtlCol="0">
+              <a:spAutoFit/>
+            </a:bodyPr>
+            <a:lstStyle/>
+            <a:p>
+              <a:pPr algn="ctr"/>
+              <a:r>
+                <a:rPr lang="en-US" sz="2800" dirty="0"/>
+                <a:t>new instance</a:t>
+              </a:r>
+            </a:p>
+          </p:txBody>
+        </p:sp>
+      </p:grpSp>
+      <p:grpSp>
+        <p:nvGrpSpPr>
+          <p:cNvPr id="48" name="Group 47">
+            <a:extLst>
+              <a:ext uri="{FF2B5EF4-FFF2-40B4-BE49-F238E27FC236}">
+                <a16:creationId xmlns:a16="http://schemas.microsoft.com/office/drawing/2014/main" id="{407E52BF-1796-4EEF-8105-5D9F4BE97DB2}"/>
+              </a:ext>
+            </a:extLst>
+          </p:cNvPr>
+          <p:cNvGrpSpPr/>
+          <p:nvPr/>
+        </p:nvGrpSpPr>
+        <p:grpSpPr>
+          <a:xfrm>
+            <a:off x="4749557" y="4487661"/>
+            <a:ext cx="2308193" cy="1272321"/>
+            <a:chOff x="5344357" y="710214"/>
+            <a:chExt cx="2077375" cy="1269506"/>
+          </a:xfrm>
+          <a:solidFill>
+            <a:schemeClr val="accent1">
+              <a:lumMod val="60000"/>
+              <a:lumOff val="40000"/>
+            </a:schemeClr>
+          </a:solidFill>
+        </p:grpSpPr>
+        <p:sp>
+          <p:nvSpPr>
+            <p:cNvPr id="49" name="TextBox 48">
+              <a:extLst>
+                <a:ext uri="{FF2B5EF4-FFF2-40B4-BE49-F238E27FC236}">
+                  <a16:creationId xmlns:a16="http://schemas.microsoft.com/office/drawing/2014/main" id="{D8089539-C52F-4CF6-BA69-F80A55AFFABD}"/>
+                </a:ext>
+              </a:extLst>
+            </p:cNvPr>
+            <p:cNvSpPr txBox="1"/>
+            <p:nvPr/>
+          </p:nvSpPr>
+          <p:spPr>
+            <a:xfrm>
+              <a:off x="5344357" y="710214"/>
+              <a:ext cx="2077375" cy="1269506"/>
+            </a:xfrm>
+            <a:prstGeom prst="rect">
+              <a:avLst/>
+            </a:prstGeom>
+            <a:grpFill/>
+          </p:spPr>
+          <p:txBody>
+            <a:bodyPr wrap="square" rtlCol="0">
+              <a:spAutoFit/>
+            </a:bodyPr>
+            <a:lstStyle/>
+            <a:p>
+              <a:endParaRPr lang="en-US" dirty="0"/>
+            </a:p>
+          </p:txBody>
+        </p:sp>
+        <p:sp>
+          <p:nvSpPr>
+            <p:cNvPr id="50" name="TextBox 49">
+              <a:extLst>
+                <a:ext uri="{FF2B5EF4-FFF2-40B4-BE49-F238E27FC236}">
+                  <a16:creationId xmlns:a16="http://schemas.microsoft.com/office/drawing/2014/main" id="{E1F64840-712C-4C5D-9798-FC1093CD85E2}"/>
+                </a:ext>
+              </a:extLst>
+            </p:cNvPr>
+            <p:cNvSpPr txBox="1"/>
+            <p:nvPr/>
+          </p:nvSpPr>
+          <p:spPr>
+            <a:xfrm>
+              <a:off x="5663954" y="874692"/>
+              <a:ext cx="1757778" cy="954107"/>
+            </a:xfrm>
+            <a:prstGeom prst="rect">
+              <a:avLst/>
+            </a:prstGeom>
+            <a:grpFill/>
+          </p:spPr>
+          <p:txBody>
+            <a:bodyPr wrap="square" rtlCol="0">
+              <a:spAutoFit/>
+            </a:bodyPr>
+            <a:lstStyle/>
+            <a:p>
+              <a:r>
+                <a:rPr lang="en-US" sz="2800" dirty="0"/>
+                <a:t>calculate features</a:t>
+              </a:r>
+            </a:p>
+          </p:txBody>
+        </p:sp>
+      </p:grpSp>
+      <p:cxnSp>
+        <p:nvCxnSpPr>
+          <p:cNvPr id="51" name="Straight Arrow Connector 50">
+            <a:extLst>
+              <a:ext uri="{FF2B5EF4-FFF2-40B4-BE49-F238E27FC236}">
+                <a16:creationId xmlns:a16="http://schemas.microsoft.com/office/drawing/2014/main" id="{98AA9B32-529A-482C-96D4-3A8A657B5597}"/>
+              </a:ext>
+            </a:extLst>
+          </p:cNvPr>
+          <p:cNvCxnSpPr>
+            <a:cxnSpLocks/>
+          </p:cNvCxnSpPr>
+          <p:nvPr/>
+        </p:nvCxnSpPr>
+        <p:spPr>
+          <a:xfrm flipV="1">
+            <a:off x="3432700" y="5027427"/>
+            <a:ext cx="1322775" cy="2"/>
+          </a:xfrm>
+          <a:prstGeom prst="straightConnector1">
+            <a:avLst/>
+          </a:prstGeom>
+          <a:ln w="57150">
+            <a:solidFill>
+              <a:schemeClr val="accent1">
+                <a:lumMod val="60000"/>
+                <a:lumOff val="40000"/>
+              </a:schemeClr>
+            </a:solidFill>
+            <a:tailEnd type="triangle"/>
+          </a:ln>
+        </p:spPr>
+        <p:style>
+          <a:lnRef idx="1">
+            <a:schemeClr val="accent1"/>
+          </a:lnRef>
+          <a:fillRef idx="0">
+            <a:schemeClr val="accent1"/>
+          </a:fillRef>
+          <a:effectRef idx="0">
+            <a:schemeClr val="accent1"/>
+          </a:effectRef>
+          <a:fontRef idx="minor">
+            <a:schemeClr val="tx1"/>
+          </a:fontRef>
+        </p:style>
+      </p:cxnSp>
+      <p:cxnSp>
+        <p:nvCxnSpPr>
+          <p:cNvPr id="52" name="Straight Arrow Connector 51">
+            <a:extLst>
+              <a:ext uri="{FF2B5EF4-FFF2-40B4-BE49-F238E27FC236}">
+                <a16:creationId xmlns:a16="http://schemas.microsoft.com/office/drawing/2014/main" id="{5DB48F28-F5B7-4F0D-989E-EE5CE192B398}"/>
+              </a:ext>
+            </a:extLst>
+          </p:cNvPr>
+          <p:cNvCxnSpPr>
+            <a:cxnSpLocks/>
+          </p:cNvCxnSpPr>
+          <p:nvPr/>
+        </p:nvCxnSpPr>
+        <p:spPr>
+          <a:xfrm flipV="1">
+            <a:off x="7039989" y="5060995"/>
+            <a:ext cx="1828802" cy="6459"/>
+          </a:xfrm>
+          <a:prstGeom prst="straightConnector1">
+            <a:avLst/>
+          </a:prstGeom>
+          <a:ln w="57150">
+            <a:solidFill>
+              <a:schemeClr val="accent1">
+                <a:lumMod val="60000"/>
+                <a:lumOff val="40000"/>
+              </a:schemeClr>
+            </a:solidFill>
+            <a:tailEnd type="triangle"/>
+          </a:ln>
+        </p:spPr>
+        <p:style>
+          <a:lnRef idx="1">
+            <a:schemeClr val="accent1"/>
+          </a:lnRef>
+          <a:fillRef idx="0">
+            <a:schemeClr val="accent1"/>
+          </a:fillRef>
+          <a:effectRef idx="0">
+            <a:schemeClr val="accent1"/>
+          </a:effectRef>
+          <a:fontRef idx="minor">
+            <a:schemeClr val="tx1"/>
+          </a:fontRef>
+        </p:style>
+      </p:cxnSp>
+      <p:cxnSp>
+        <p:nvCxnSpPr>
+          <p:cNvPr id="53" name="Straight Arrow Connector 52">
+            <a:extLst>
+              <a:ext uri="{FF2B5EF4-FFF2-40B4-BE49-F238E27FC236}">
+                <a16:creationId xmlns:a16="http://schemas.microsoft.com/office/drawing/2014/main" id="{F533E154-9569-475E-8106-87C0A626AE41}"/>
+              </a:ext>
+            </a:extLst>
+          </p:cNvPr>
+          <p:cNvCxnSpPr>
+            <a:cxnSpLocks/>
+          </p:cNvCxnSpPr>
+          <p:nvPr/>
+        </p:nvCxnSpPr>
+        <p:spPr>
+          <a:xfrm flipH="1">
+            <a:off x="9948909" y="5477522"/>
+            <a:ext cx="1" cy="630315"/>
+          </a:xfrm>
+          <a:prstGeom prst="straightConnector1">
+            <a:avLst/>
+          </a:prstGeom>
+          <a:ln w="57150">
+            <a:solidFill>
+              <a:schemeClr val="accent1">
+                <a:lumMod val="60000"/>
+                <a:lumOff val="40000"/>
+              </a:schemeClr>
+            </a:solidFill>
+            <a:tailEnd type="triangle"/>
+          </a:ln>
+        </p:spPr>
+        <p:style>
+          <a:lnRef idx="1">
+            <a:schemeClr val="accent1"/>
+          </a:lnRef>
+          <a:fillRef idx="0">
+            <a:schemeClr val="accent1"/>
+          </a:fillRef>
+          <a:effectRef idx="0">
+            <a:schemeClr val="accent1"/>
+          </a:effectRef>
+          <a:fontRef idx="minor">
+            <a:schemeClr val="tx1"/>
+          </a:fontRef>
+        </p:style>
+      </p:cxnSp>
+      <p:grpSp>
+        <p:nvGrpSpPr>
+          <p:cNvPr id="55" name="Group 54">
+            <a:extLst>
+              <a:ext uri="{FF2B5EF4-FFF2-40B4-BE49-F238E27FC236}">
+                <a16:creationId xmlns:a16="http://schemas.microsoft.com/office/drawing/2014/main" id="{04E2CA2E-28E1-450A-8EAD-906A10983257}"/>
+              </a:ext>
+            </a:extLst>
+          </p:cNvPr>
+          <p:cNvGrpSpPr/>
+          <p:nvPr/>
+        </p:nvGrpSpPr>
+        <p:grpSpPr>
+          <a:xfrm>
+            <a:off x="9170633" y="6107088"/>
+            <a:ext cx="1757779" cy="630315"/>
+            <a:chOff x="5344357" y="710214"/>
+            <a:chExt cx="2077375" cy="1269506"/>
+          </a:xfrm>
+          <a:solidFill>
+            <a:srgbClr val="92D050"/>
+          </a:solidFill>
+        </p:grpSpPr>
+        <p:sp>
+          <p:nvSpPr>
+            <p:cNvPr id="56" name="TextBox 55">
+              <a:extLst>
+                <a:ext uri="{FF2B5EF4-FFF2-40B4-BE49-F238E27FC236}">
+                  <a16:creationId xmlns:a16="http://schemas.microsoft.com/office/drawing/2014/main" id="{5559EF23-37DF-4DC0-B61F-DD2CF6EF2C9A}"/>
+                </a:ext>
+              </a:extLst>
+            </p:cNvPr>
+            <p:cNvSpPr txBox="1"/>
+            <p:nvPr/>
+          </p:nvSpPr>
+          <p:spPr>
+            <a:xfrm>
+              <a:off x="5344357" y="710214"/>
+              <a:ext cx="2077375" cy="1269506"/>
+            </a:xfrm>
+            <a:prstGeom prst="rect">
+              <a:avLst/>
+            </a:prstGeom>
+            <a:grpFill/>
+          </p:spPr>
+          <p:txBody>
+            <a:bodyPr wrap="square" rtlCol="0">
+              <a:spAutoFit/>
+            </a:bodyPr>
+            <a:lstStyle/>
+            <a:p>
+              <a:endParaRPr lang="en-US" dirty="0"/>
+            </a:p>
+          </p:txBody>
+        </p:sp>
+        <p:sp>
+          <p:nvSpPr>
+            <p:cNvPr id="57" name="TextBox 56">
+              <a:extLst>
+                <a:ext uri="{FF2B5EF4-FFF2-40B4-BE49-F238E27FC236}">
+                  <a16:creationId xmlns:a16="http://schemas.microsoft.com/office/drawing/2014/main" id="{DE3B40AD-8971-4A5F-8340-1B10B142CBAE}"/>
+                </a:ext>
+              </a:extLst>
+            </p:cNvPr>
+            <p:cNvSpPr txBox="1"/>
+            <p:nvPr/>
+          </p:nvSpPr>
+          <p:spPr>
+            <a:xfrm>
+              <a:off x="5663954" y="874692"/>
+              <a:ext cx="1757778" cy="1053807"/>
+            </a:xfrm>
+            <a:prstGeom prst="rect">
+              <a:avLst/>
+            </a:prstGeom>
+            <a:grpFill/>
+          </p:spPr>
+          <p:txBody>
+            <a:bodyPr wrap="square" rtlCol="0">
+              <a:spAutoFit/>
+            </a:bodyPr>
+            <a:lstStyle/>
+            <a:p>
+              <a:r>
+                <a:rPr lang="en-US" sz="2800" dirty="0"/>
+                <a:t> output</a:t>
+              </a:r>
+            </a:p>
+          </p:txBody>
+        </p:sp>
+      </p:grpSp>
+    </p:spTree>
+    <p:extLst>
+      <p:ext uri="{BB962C8B-B14F-4D97-AF65-F5344CB8AC3E}">
+        <p14:creationId xmlns:p14="http://schemas.microsoft.com/office/powerpoint/2010/main" val="548508538"/>
       </p:ext>
     </p:extLst>
   </p:cSld>

--- a/figure_preparation.pptx
+++ b/figure_preparation.pptx
@@ -7434,9 +7434,7 @@
             <a:grpFill/>
             <a:ln>
               <a:solidFill>
-                <a:schemeClr val="bg2">
-                  <a:lumMod val="90000"/>
-                </a:schemeClr>
+                <a:srgbClr val="92D050"/>
               </a:solidFill>
             </a:ln>
           </p:spPr>
@@ -7674,7 +7672,7 @@
           <a:lstStyle/>
           <a:p>
             <a:pPr algn="ctr"/>
-            <a:endParaRPr lang="en-US"/>
+            <a:endParaRPr lang="en-US" dirty="0"/>
           </a:p>
         </p:txBody>
       </p:sp>

--- a/figure_preparation.pptx
+++ b/figure_preparation.pptx
@@ -8,8 +8,9 @@
     <p:sldId id="256" r:id="rId2"/>
     <p:sldId id="257" r:id="rId3"/>
     <p:sldId id="258" r:id="rId4"/>
-    <p:sldId id="259" r:id="rId5"/>
-    <p:sldId id="260" r:id="rId6"/>
+    <p:sldId id="261" r:id="rId5"/>
+    <p:sldId id="259" r:id="rId6"/>
+    <p:sldId id="260" r:id="rId7"/>
   </p:sldIdLst>
   <p:sldSz cx="12192000" cy="6858000"/>
   <p:notesSz cx="6858000" cy="9144000"/>
@@ -7039,6 +7040,1375 @@
     </p:spTree>
     <p:extLst>
       <p:ext uri="{BB962C8B-B14F-4D97-AF65-F5344CB8AC3E}">
+        <p14:creationId xmlns:p14="http://schemas.microsoft.com/office/powerpoint/2010/main" val="3412028675"/>
+      </p:ext>
+    </p:extLst>
+  </p:cSld>
+  <p:clrMapOvr>
+    <a:masterClrMapping/>
+  </p:clrMapOvr>
+</p:sld>
+</file>
+
+<file path=ppt/slides/slide5.xml><?xml version="1.0" encoding="utf-8"?>
+<p:sld xmlns:a="http://schemas.openxmlformats.org/drawingml/2006/main" xmlns:r="http://schemas.openxmlformats.org/officeDocument/2006/relationships" xmlns:p="http://schemas.openxmlformats.org/presentationml/2006/main">
+  <p:cSld>
+    <p:spTree>
+      <p:nvGrpSpPr>
+        <p:cNvPr id="1" name=""/>
+        <p:cNvGrpSpPr/>
+        <p:nvPr/>
+      </p:nvGrpSpPr>
+      <p:grpSpPr>
+        <a:xfrm>
+          <a:off x="0" y="0"/>
+          <a:ext cx="0" cy="0"/>
+          <a:chOff x="0" y="0"/>
+          <a:chExt cx="0" cy="0"/>
+        </a:xfrm>
+      </p:grpSpPr>
+      <p:grpSp>
+        <p:nvGrpSpPr>
+          <p:cNvPr id="9" name="Group 8">
+            <a:extLst>
+              <a:ext uri="{FF2B5EF4-FFF2-40B4-BE49-F238E27FC236}">
+                <a16:creationId xmlns:a16="http://schemas.microsoft.com/office/drawing/2014/main" id="{B9A51E66-9247-459A-B64F-16E3AD6DCF0D}"/>
+              </a:ext>
+            </a:extLst>
+          </p:cNvPr>
+          <p:cNvGrpSpPr/>
+          <p:nvPr/>
+        </p:nvGrpSpPr>
+        <p:grpSpPr>
+          <a:xfrm>
+            <a:off x="870012" y="710214"/>
+            <a:ext cx="2539013" cy="1118585"/>
+            <a:chOff x="870012" y="710214"/>
+            <a:chExt cx="2618912" cy="1269506"/>
+          </a:xfrm>
+        </p:grpSpPr>
+        <p:sp>
+          <p:nvSpPr>
+            <p:cNvPr id="4" name="Rectangle 3">
+              <a:extLst>
+                <a:ext uri="{FF2B5EF4-FFF2-40B4-BE49-F238E27FC236}">
+                  <a16:creationId xmlns:a16="http://schemas.microsoft.com/office/drawing/2014/main" id="{2FB6FE31-1474-4C9E-B00A-B11A2B170350}"/>
+                </a:ext>
+              </a:extLst>
+            </p:cNvPr>
+            <p:cNvSpPr/>
+            <p:nvPr/>
+          </p:nvSpPr>
+          <p:spPr>
+            <a:xfrm>
+              <a:off x="870012" y="710214"/>
+              <a:ext cx="2618912" cy="1269506"/>
+            </a:xfrm>
+            <a:prstGeom prst="rect">
+              <a:avLst/>
+            </a:prstGeom>
+            <a:solidFill>
+              <a:schemeClr val="bg2">
+                <a:lumMod val="90000"/>
+              </a:schemeClr>
+            </a:solidFill>
+            <a:ln>
+              <a:solidFill>
+                <a:schemeClr val="bg1">
+                  <a:lumMod val="95000"/>
+                </a:schemeClr>
+              </a:solidFill>
+            </a:ln>
+          </p:spPr>
+          <p:style>
+            <a:lnRef idx="2">
+              <a:schemeClr val="accent1">
+                <a:shade val="50000"/>
+              </a:schemeClr>
+            </a:lnRef>
+            <a:fillRef idx="1">
+              <a:schemeClr val="accent1"/>
+            </a:fillRef>
+            <a:effectRef idx="0">
+              <a:schemeClr val="accent1"/>
+            </a:effectRef>
+            <a:fontRef idx="minor">
+              <a:schemeClr val="lt1"/>
+            </a:fontRef>
+          </p:style>
+          <p:txBody>
+            <a:bodyPr rtlCol="0" anchor="ctr"/>
+            <a:lstStyle/>
+            <a:p>
+              <a:pPr algn="ctr"/>
+              <a:endParaRPr lang="en-US"/>
+            </a:p>
+          </p:txBody>
+        </p:sp>
+        <p:sp>
+          <p:nvSpPr>
+            <p:cNvPr id="5" name="TextBox 4">
+              <a:extLst>
+                <a:ext uri="{FF2B5EF4-FFF2-40B4-BE49-F238E27FC236}">
+                  <a16:creationId xmlns:a16="http://schemas.microsoft.com/office/drawing/2014/main" id="{44C507EC-EABF-41C3-8306-7F07EB4FE004}"/>
+                </a:ext>
+              </a:extLst>
+            </p:cNvPr>
+            <p:cNvSpPr txBox="1"/>
+            <p:nvPr/>
+          </p:nvSpPr>
+          <p:spPr>
+            <a:xfrm>
+              <a:off x="1233994" y="867912"/>
+              <a:ext cx="1890943" cy="1082836"/>
+            </a:xfrm>
+            <a:prstGeom prst="rect">
+              <a:avLst/>
+            </a:prstGeom>
+            <a:noFill/>
+          </p:spPr>
+          <p:txBody>
+            <a:bodyPr wrap="square" rtlCol="0">
+              <a:spAutoFit/>
+            </a:bodyPr>
+            <a:lstStyle/>
+            <a:p>
+              <a:pPr algn="ctr"/>
+              <a:r>
+                <a:rPr lang="en-US" sz="2800" dirty="0"/>
+                <a:t>problem space</a:t>
+              </a:r>
+            </a:p>
+          </p:txBody>
+        </p:sp>
+      </p:grpSp>
+      <p:grpSp>
+        <p:nvGrpSpPr>
+          <p:cNvPr id="8" name="Group 7">
+            <a:extLst>
+              <a:ext uri="{FF2B5EF4-FFF2-40B4-BE49-F238E27FC236}">
+                <a16:creationId xmlns:a16="http://schemas.microsoft.com/office/drawing/2014/main" id="{DB6A6962-9328-4941-B121-09737F8A8E61}"/>
+              </a:ext>
+            </a:extLst>
+          </p:cNvPr>
+          <p:cNvGrpSpPr/>
+          <p:nvPr/>
+        </p:nvGrpSpPr>
+        <p:grpSpPr>
+          <a:xfrm>
+            <a:off x="870012" y="2794247"/>
+            <a:ext cx="2539013" cy="1118585"/>
+            <a:chOff x="870012" y="3330606"/>
+            <a:chExt cx="2618912" cy="1269506"/>
+          </a:xfrm>
+        </p:grpSpPr>
+        <p:sp>
+          <p:nvSpPr>
+            <p:cNvPr id="6" name="Rectangle 5">
+              <a:extLst>
+                <a:ext uri="{FF2B5EF4-FFF2-40B4-BE49-F238E27FC236}">
+                  <a16:creationId xmlns:a16="http://schemas.microsoft.com/office/drawing/2014/main" id="{7D5F2573-39FE-4BA4-9CC1-92A92F8BCE07}"/>
+                </a:ext>
+              </a:extLst>
+            </p:cNvPr>
+            <p:cNvSpPr/>
+            <p:nvPr/>
+          </p:nvSpPr>
+          <p:spPr>
+            <a:xfrm>
+              <a:off x="870012" y="3330606"/>
+              <a:ext cx="2618912" cy="1269506"/>
+            </a:xfrm>
+            <a:prstGeom prst="rect">
+              <a:avLst/>
+            </a:prstGeom>
+            <a:solidFill>
+              <a:schemeClr val="bg2">
+                <a:lumMod val="90000"/>
+              </a:schemeClr>
+            </a:solidFill>
+            <a:ln>
+              <a:solidFill>
+                <a:schemeClr val="bg2">
+                  <a:lumMod val="90000"/>
+                </a:schemeClr>
+              </a:solidFill>
+            </a:ln>
+          </p:spPr>
+          <p:style>
+            <a:lnRef idx="2">
+              <a:schemeClr val="accent1">
+                <a:shade val="50000"/>
+              </a:schemeClr>
+            </a:lnRef>
+            <a:fillRef idx="1">
+              <a:schemeClr val="accent1"/>
+            </a:fillRef>
+            <a:effectRef idx="0">
+              <a:schemeClr val="accent1"/>
+            </a:effectRef>
+            <a:fontRef idx="minor">
+              <a:schemeClr val="lt1"/>
+            </a:fontRef>
+          </p:style>
+          <p:txBody>
+            <a:bodyPr rtlCol="0" anchor="ctr"/>
+            <a:lstStyle/>
+            <a:p>
+              <a:pPr algn="ctr"/>
+              <a:endParaRPr lang="en-US" dirty="0"/>
+            </a:p>
+          </p:txBody>
+        </p:sp>
+        <p:sp>
+          <p:nvSpPr>
+            <p:cNvPr id="7" name="TextBox 6">
+              <a:extLst>
+                <a:ext uri="{FF2B5EF4-FFF2-40B4-BE49-F238E27FC236}">
+                  <a16:creationId xmlns:a16="http://schemas.microsoft.com/office/drawing/2014/main" id="{EDD801CF-94C8-48A7-8653-14E4D4CAA5D1}"/>
+                </a:ext>
+              </a:extLst>
+            </p:cNvPr>
+            <p:cNvSpPr txBox="1"/>
+            <p:nvPr/>
+          </p:nvSpPr>
+          <p:spPr>
+            <a:xfrm>
+              <a:off x="1136340" y="3488304"/>
+              <a:ext cx="2086253" cy="1082836"/>
+            </a:xfrm>
+            <a:prstGeom prst="rect">
+              <a:avLst/>
+            </a:prstGeom>
+            <a:noFill/>
+          </p:spPr>
+          <p:txBody>
+            <a:bodyPr wrap="square" rtlCol="0">
+              <a:spAutoFit/>
+            </a:bodyPr>
+            <a:lstStyle/>
+            <a:p>
+              <a:pPr algn="ctr"/>
+              <a:r>
+                <a:rPr lang="en-US" sz="2800" dirty="0"/>
+                <a:t>algorithm space</a:t>
+              </a:r>
+            </a:p>
+          </p:txBody>
+        </p:sp>
+      </p:grpSp>
+      <p:grpSp>
+        <p:nvGrpSpPr>
+          <p:cNvPr id="12" name="Group 11">
+            <a:extLst>
+              <a:ext uri="{FF2B5EF4-FFF2-40B4-BE49-F238E27FC236}">
+                <a16:creationId xmlns:a16="http://schemas.microsoft.com/office/drawing/2014/main" id="{48153331-C96D-4477-AD09-A2A5EB9181E7}"/>
+              </a:ext>
+            </a:extLst>
+          </p:cNvPr>
+          <p:cNvGrpSpPr/>
+          <p:nvPr/>
+        </p:nvGrpSpPr>
+        <p:grpSpPr>
+          <a:xfrm>
+            <a:off x="4731798" y="710214"/>
+            <a:ext cx="2308193" cy="1209582"/>
+            <a:chOff x="5344357" y="710214"/>
+            <a:chExt cx="2077375" cy="1269506"/>
+          </a:xfrm>
+        </p:grpSpPr>
+        <p:sp>
+          <p:nvSpPr>
+            <p:cNvPr id="10" name="TextBox 9">
+              <a:extLst>
+                <a:ext uri="{FF2B5EF4-FFF2-40B4-BE49-F238E27FC236}">
+                  <a16:creationId xmlns:a16="http://schemas.microsoft.com/office/drawing/2014/main" id="{ED3FDDCC-96BA-49B5-8FFE-4129D010391C}"/>
+                </a:ext>
+              </a:extLst>
+            </p:cNvPr>
+            <p:cNvSpPr txBox="1"/>
+            <p:nvPr/>
+          </p:nvSpPr>
+          <p:spPr>
+            <a:xfrm>
+              <a:off x="5344357" y="710214"/>
+              <a:ext cx="2077375" cy="1269506"/>
+            </a:xfrm>
+            <a:prstGeom prst="rect">
+              <a:avLst/>
+            </a:prstGeom>
+            <a:solidFill>
+              <a:schemeClr val="bg1">
+                <a:lumMod val="85000"/>
+              </a:schemeClr>
+            </a:solidFill>
+          </p:spPr>
+          <p:txBody>
+            <a:bodyPr wrap="square" rtlCol="0">
+              <a:spAutoFit/>
+            </a:bodyPr>
+            <a:lstStyle/>
+            <a:p>
+              <a:endParaRPr lang="en-US" dirty="0"/>
+            </a:p>
+          </p:txBody>
+        </p:sp>
+        <p:sp>
+          <p:nvSpPr>
+            <p:cNvPr id="11" name="TextBox 10">
+              <a:extLst>
+                <a:ext uri="{FF2B5EF4-FFF2-40B4-BE49-F238E27FC236}">
+                  <a16:creationId xmlns:a16="http://schemas.microsoft.com/office/drawing/2014/main" id="{05486F2F-8640-45E4-A42D-56BE8E3A2E51}"/>
+                </a:ext>
+              </a:extLst>
+            </p:cNvPr>
+            <p:cNvSpPr txBox="1"/>
+            <p:nvPr/>
+          </p:nvSpPr>
+          <p:spPr>
+            <a:xfrm>
+              <a:off x="5663954" y="874692"/>
+              <a:ext cx="1757778" cy="1001374"/>
+            </a:xfrm>
+            <a:prstGeom prst="rect">
+              <a:avLst/>
+            </a:prstGeom>
+            <a:noFill/>
+          </p:spPr>
+          <p:txBody>
+            <a:bodyPr wrap="square" rtlCol="0">
+              <a:spAutoFit/>
+            </a:bodyPr>
+            <a:lstStyle/>
+            <a:p>
+              <a:r>
+                <a:rPr lang="en-US" sz="2800" dirty="0"/>
+                <a:t>calculate features</a:t>
+              </a:r>
+            </a:p>
+          </p:txBody>
+        </p:sp>
+      </p:grpSp>
+      <p:grpSp>
+        <p:nvGrpSpPr>
+          <p:cNvPr id="15" name="Group 14">
+            <a:extLst>
+              <a:ext uri="{FF2B5EF4-FFF2-40B4-BE49-F238E27FC236}">
+                <a16:creationId xmlns:a16="http://schemas.microsoft.com/office/drawing/2014/main" id="{FBBDE58C-3AE5-4F20-AA80-630DF68B6753}"/>
+              </a:ext>
+            </a:extLst>
+          </p:cNvPr>
+          <p:cNvGrpSpPr/>
+          <p:nvPr/>
+        </p:nvGrpSpPr>
+        <p:grpSpPr>
+          <a:xfrm>
+            <a:off x="4731798" y="2794247"/>
+            <a:ext cx="2308194" cy="1209582"/>
+            <a:chOff x="5237825" y="2794247"/>
+            <a:chExt cx="2308194" cy="1269506"/>
+          </a:xfrm>
+          <a:solidFill>
+            <a:schemeClr val="bg2">
+              <a:lumMod val="90000"/>
+            </a:schemeClr>
+          </a:solidFill>
+        </p:grpSpPr>
+        <p:sp>
+          <p:nvSpPr>
+            <p:cNvPr id="13" name="Rectangle 12">
+              <a:extLst>
+                <a:ext uri="{FF2B5EF4-FFF2-40B4-BE49-F238E27FC236}">
+                  <a16:creationId xmlns:a16="http://schemas.microsoft.com/office/drawing/2014/main" id="{893BB0EC-2314-4569-9B68-2A7287BA39D5}"/>
+                </a:ext>
+              </a:extLst>
+            </p:cNvPr>
+            <p:cNvSpPr/>
+            <p:nvPr/>
+          </p:nvSpPr>
+          <p:spPr>
+            <a:xfrm>
+              <a:off x="5237825" y="2794247"/>
+              <a:ext cx="2308194" cy="1269506"/>
+            </a:xfrm>
+            <a:prstGeom prst="rect">
+              <a:avLst/>
+            </a:prstGeom>
+            <a:grpFill/>
+            <a:ln>
+              <a:solidFill>
+                <a:schemeClr val="bg2">
+                  <a:lumMod val="90000"/>
+                </a:schemeClr>
+              </a:solidFill>
+            </a:ln>
+          </p:spPr>
+          <p:style>
+            <a:lnRef idx="2">
+              <a:schemeClr val="accent1">
+                <a:shade val="50000"/>
+              </a:schemeClr>
+            </a:lnRef>
+            <a:fillRef idx="1">
+              <a:schemeClr val="accent1"/>
+            </a:fillRef>
+            <a:effectRef idx="0">
+              <a:schemeClr val="accent1"/>
+            </a:effectRef>
+            <a:fontRef idx="minor">
+              <a:schemeClr val="lt1"/>
+            </a:fontRef>
+          </p:style>
+          <p:txBody>
+            <a:bodyPr rtlCol="0" anchor="ctr"/>
+            <a:lstStyle/>
+            <a:p>
+              <a:pPr algn="ctr"/>
+              <a:endParaRPr lang="en-US"/>
+            </a:p>
+          </p:txBody>
+        </p:sp>
+        <p:sp>
+          <p:nvSpPr>
+            <p:cNvPr id="14" name="TextBox 13">
+              <a:extLst>
+                <a:ext uri="{FF2B5EF4-FFF2-40B4-BE49-F238E27FC236}">
+                  <a16:creationId xmlns:a16="http://schemas.microsoft.com/office/drawing/2014/main" id="{088DE6D7-6BC3-40D9-AFAB-13C7BFD89D02}"/>
+                </a:ext>
+              </a:extLst>
+            </p:cNvPr>
+            <p:cNvSpPr txBox="1"/>
+            <p:nvPr/>
+          </p:nvSpPr>
+          <p:spPr>
+            <a:xfrm>
+              <a:off x="5344358" y="2951946"/>
+              <a:ext cx="2077374" cy="1001374"/>
+            </a:xfrm>
+            <a:prstGeom prst="rect">
+              <a:avLst/>
+            </a:prstGeom>
+            <a:grpFill/>
+            <a:ln>
+              <a:solidFill>
+                <a:schemeClr val="bg2">
+                  <a:lumMod val="90000"/>
+                </a:schemeClr>
+              </a:solidFill>
+            </a:ln>
+          </p:spPr>
+          <p:txBody>
+            <a:bodyPr wrap="square" rtlCol="0">
+              <a:spAutoFit/>
+            </a:bodyPr>
+            <a:lstStyle/>
+            <a:p>
+              <a:r>
+                <a:rPr lang="en-US" sz="2800" dirty="0"/>
+                <a:t>algorithm performance</a:t>
+              </a:r>
+            </a:p>
+          </p:txBody>
+        </p:sp>
+      </p:grpSp>
+      <p:grpSp>
+        <p:nvGrpSpPr>
+          <p:cNvPr id="19" name="Group 18">
+            <a:extLst>
+              <a:ext uri="{FF2B5EF4-FFF2-40B4-BE49-F238E27FC236}">
+                <a16:creationId xmlns:a16="http://schemas.microsoft.com/office/drawing/2014/main" id="{4263E621-3D28-4626-BC47-9FA959102291}"/>
+              </a:ext>
+            </a:extLst>
+          </p:cNvPr>
+          <p:cNvGrpSpPr/>
+          <p:nvPr/>
+        </p:nvGrpSpPr>
+        <p:grpSpPr>
+          <a:xfrm>
+            <a:off x="8575830" y="866928"/>
+            <a:ext cx="2746157" cy="2986645"/>
+            <a:chOff x="9179512" y="1287262"/>
+            <a:chExt cx="2308194" cy="2343705"/>
+          </a:xfrm>
+          <a:solidFill>
+            <a:schemeClr val="bg2">
+              <a:lumMod val="90000"/>
+            </a:schemeClr>
+          </a:solidFill>
+        </p:grpSpPr>
+        <p:sp>
+          <p:nvSpPr>
+            <p:cNvPr id="17" name="Oval 16">
+              <a:extLst>
+                <a:ext uri="{FF2B5EF4-FFF2-40B4-BE49-F238E27FC236}">
+                  <a16:creationId xmlns:a16="http://schemas.microsoft.com/office/drawing/2014/main" id="{A61AE73F-F0D2-4030-A171-14D53DC8BEC9}"/>
+                </a:ext>
+              </a:extLst>
+            </p:cNvPr>
+            <p:cNvSpPr/>
+            <p:nvPr/>
+          </p:nvSpPr>
+          <p:spPr>
+            <a:xfrm>
+              <a:off x="9179512" y="1287262"/>
+              <a:ext cx="2308194" cy="2343705"/>
+            </a:xfrm>
+            <a:prstGeom prst="ellipse">
+              <a:avLst/>
+            </a:prstGeom>
+            <a:grpFill/>
+            <a:ln>
+              <a:solidFill>
+                <a:schemeClr val="bg2">
+                  <a:lumMod val="90000"/>
+                </a:schemeClr>
+              </a:solidFill>
+            </a:ln>
+          </p:spPr>
+          <p:style>
+            <a:lnRef idx="2">
+              <a:schemeClr val="accent1">
+                <a:shade val="50000"/>
+              </a:schemeClr>
+            </a:lnRef>
+            <a:fillRef idx="1">
+              <a:schemeClr val="accent1"/>
+            </a:fillRef>
+            <a:effectRef idx="0">
+              <a:schemeClr val="accent1"/>
+            </a:effectRef>
+            <a:fontRef idx="minor">
+              <a:schemeClr val="lt1"/>
+            </a:fontRef>
+          </p:style>
+          <p:txBody>
+            <a:bodyPr rtlCol="0" anchor="ctr"/>
+            <a:lstStyle/>
+            <a:p>
+              <a:pPr algn="ctr"/>
+              <a:endParaRPr lang="en-US" dirty="0"/>
+            </a:p>
+          </p:txBody>
+        </p:sp>
+        <p:sp>
+          <p:nvSpPr>
+            <p:cNvPr id="18" name="TextBox 17">
+              <a:extLst>
+                <a:ext uri="{FF2B5EF4-FFF2-40B4-BE49-F238E27FC236}">
+                  <a16:creationId xmlns:a16="http://schemas.microsoft.com/office/drawing/2014/main" id="{1416F813-9294-4944-9AF4-A988DE6CD513}"/>
+                </a:ext>
+              </a:extLst>
+            </p:cNvPr>
+            <p:cNvSpPr txBox="1"/>
+            <p:nvPr/>
+          </p:nvSpPr>
+          <p:spPr>
+            <a:xfrm>
+              <a:off x="9825373" y="1966466"/>
+              <a:ext cx="1510611" cy="845324"/>
+            </a:xfrm>
+            <a:prstGeom prst="rect">
+              <a:avLst/>
+            </a:prstGeom>
+            <a:grpFill/>
+            <a:ln>
+              <a:solidFill>
+                <a:schemeClr val="bg2">
+                  <a:lumMod val="90000"/>
+                </a:schemeClr>
+              </a:solidFill>
+            </a:ln>
+          </p:spPr>
+          <p:txBody>
+            <a:bodyPr wrap="square" rtlCol="0">
+              <a:spAutoFit/>
+            </a:bodyPr>
+            <a:lstStyle/>
+            <a:p>
+              <a:r>
+                <a:rPr lang="en-US" sz="3200" dirty="0"/>
+                <a:t>train a model</a:t>
+              </a:r>
+            </a:p>
+          </p:txBody>
+        </p:sp>
+      </p:grpSp>
+      <p:sp>
+        <p:nvSpPr>
+          <p:cNvPr id="20" name="Rectangle 19">
+            <a:extLst>
+              <a:ext uri="{FF2B5EF4-FFF2-40B4-BE49-F238E27FC236}">
+                <a16:creationId xmlns:a16="http://schemas.microsoft.com/office/drawing/2014/main" id="{4ED87076-4FB0-403C-AE2B-C9A2119FE4BB}"/>
+              </a:ext>
+            </a:extLst>
+          </p:cNvPr>
+          <p:cNvSpPr/>
+          <p:nvPr/>
+        </p:nvSpPr>
+        <p:spPr>
+          <a:xfrm>
+            <a:off x="8868792" y="4616388"/>
+            <a:ext cx="2429520" cy="861134"/>
+          </a:xfrm>
+          <a:prstGeom prst="rect">
+            <a:avLst/>
+          </a:prstGeom>
+          <a:solidFill>
+            <a:schemeClr val="accent2">
+              <a:lumMod val="60000"/>
+              <a:lumOff val="40000"/>
+            </a:schemeClr>
+          </a:solidFill>
+          <a:ln>
+            <a:solidFill>
+              <a:schemeClr val="accent2">
+                <a:lumMod val="60000"/>
+                <a:lumOff val="40000"/>
+              </a:schemeClr>
+            </a:solidFill>
+          </a:ln>
+        </p:spPr>
+        <p:style>
+          <a:lnRef idx="2">
+            <a:schemeClr val="accent1">
+              <a:shade val="50000"/>
+            </a:schemeClr>
+          </a:lnRef>
+          <a:fillRef idx="1">
+            <a:schemeClr val="accent1"/>
+          </a:fillRef>
+          <a:effectRef idx="0">
+            <a:schemeClr val="accent1"/>
+          </a:effectRef>
+          <a:fontRef idx="minor">
+            <a:schemeClr val="lt1"/>
+          </a:fontRef>
+        </p:style>
+        <p:txBody>
+          <a:bodyPr rtlCol="0" anchor="ctr"/>
+          <a:lstStyle/>
+          <a:p>
+            <a:pPr algn="ctr"/>
+            <a:endParaRPr lang="en-US"/>
+          </a:p>
+        </p:txBody>
+      </p:sp>
+      <p:sp>
+        <p:nvSpPr>
+          <p:cNvPr id="21" name="TextBox 20">
+            <a:extLst>
+              <a:ext uri="{FF2B5EF4-FFF2-40B4-BE49-F238E27FC236}">
+                <a16:creationId xmlns:a16="http://schemas.microsoft.com/office/drawing/2014/main" id="{A44FEF9B-3075-4D25-9078-F0E56ADA0640}"/>
+              </a:ext>
+            </a:extLst>
+          </p:cNvPr>
+          <p:cNvSpPr txBox="1"/>
+          <p:nvPr/>
+        </p:nvSpPr>
+        <p:spPr>
+          <a:xfrm>
+            <a:off x="9108489" y="4785345"/>
+            <a:ext cx="2189823" cy="523220"/>
+          </a:xfrm>
+          <a:prstGeom prst="rect">
+            <a:avLst/>
+          </a:prstGeom>
+          <a:noFill/>
+        </p:spPr>
+        <p:txBody>
+          <a:bodyPr wrap="square" rtlCol="0">
+            <a:spAutoFit/>
+          </a:bodyPr>
+          <a:lstStyle/>
+          <a:p>
+            <a:r>
+              <a:rPr lang="en-US" sz="2800" dirty="0"/>
+              <a:t>meta-learner</a:t>
+            </a:r>
+          </a:p>
+        </p:txBody>
+      </p:sp>
+      <p:cxnSp>
+        <p:nvCxnSpPr>
+          <p:cNvPr id="34" name="Straight Arrow Connector 33">
+            <a:extLst>
+              <a:ext uri="{FF2B5EF4-FFF2-40B4-BE49-F238E27FC236}">
+                <a16:creationId xmlns:a16="http://schemas.microsoft.com/office/drawing/2014/main" id="{3F027A0E-C919-410A-97D8-31E2545A3E7B}"/>
+              </a:ext>
+            </a:extLst>
+          </p:cNvPr>
+          <p:cNvCxnSpPr>
+            <a:cxnSpLocks/>
+            <a:endCxn id="13" idx="1"/>
+          </p:cNvCxnSpPr>
+          <p:nvPr/>
+        </p:nvCxnSpPr>
+        <p:spPr>
+          <a:xfrm flipV="1">
+            <a:off x="3409023" y="3399038"/>
+            <a:ext cx="1322775" cy="2"/>
+          </a:xfrm>
+          <a:prstGeom prst="straightConnector1">
+            <a:avLst/>
+          </a:prstGeom>
+          <a:ln w="57150">
+            <a:solidFill>
+              <a:schemeClr val="bg2">
+                <a:lumMod val="90000"/>
+              </a:schemeClr>
+            </a:solidFill>
+            <a:tailEnd type="triangle"/>
+          </a:ln>
+        </p:spPr>
+        <p:style>
+          <a:lnRef idx="1">
+            <a:schemeClr val="accent1"/>
+          </a:lnRef>
+          <a:fillRef idx="0">
+            <a:schemeClr val="accent1"/>
+          </a:fillRef>
+          <a:effectRef idx="0">
+            <a:schemeClr val="accent1"/>
+          </a:effectRef>
+          <a:fontRef idx="minor">
+            <a:schemeClr val="tx1"/>
+          </a:fontRef>
+        </p:style>
+      </p:cxnSp>
+      <p:cxnSp>
+        <p:nvCxnSpPr>
+          <p:cNvPr id="37" name="Straight Arrow Connector 36">
+            <a:extLst>
+              <a:ext uri="{FF2B5EF4-FFF2-40B4-BE49-F238E27FC236}">
+                <a16:creationId xmlns:a16="http://schemas.microsoft.com/office/drawing/2014/main" id="{D3FAE546-FAC6-4D4F-9A6E-354E67EC0035}"/>
+              </a:ext>
+            </a:extLst>
+          </p:cNvPr>
+          <p:cNvCxnSpPr>
+            <a:cxnSpLocks/>
+          </p:cNvCxnSpPr>
+          <p:nvPr/>
+        </p:nvCxnSpPr>
+        <p:spPr>
+          <a:xfrm flipV="1">
+            <a:off x="3409023" y="1295477"/>
+            <a:ext cx="1322775" cy="2"/>
+          </a:xfrm>
+          <a:prstGeom prst="straightConnector1">
+            <a:avLst/>
+          </a:prstGeom>
+          <a:ln w="57150">
+            <a:solidFill>
+              <a:schemeClr val="bg2">
+                <a:lumMod val="90000"/>
+              </a:schemeClr>
+            </a:solidFill>
+            <a:tailEnd type="triangle"/>
+          </a:ln>
+        </p:spPr>
+        <p:style>
+          <a:lnRef idx="1">
+            <a:schemeClr val="accent1"/>
+          </a:lnRef>
+          <a:fillRef idx="0">
+            <a:schemeClr val="accent1"/>
+          </a:fillRef>
+          <a:effectRef idx="0">
+            <a:schemeClr val="accent1"/>
+          </a:effectRef>
+          <a:fontRef idx="minor">
+            <a:schemeClr val="tx1"/>
+          </a:fontRef>
+        </p:style>
+      </p:cxnSp>
+      <p:cxnSp>
+        <p:nvCxnSpPr>
+          <p:cNvPr id="38" name="Straight Arrow Connector 37">
+            <a:extLst>
+              <a:ext uri="{FF2B5EF4-FFF2-40B4-BE49-F238E27FC236}">
+                <a16:creationId xmlns:a16="http://schemas.microsoft.com/office/drawing/2014/main" id="{BF085565-3EA0-4517-97EB-CD36766EB6AE}"/>
+              </a:ext>
+            </a:extLst>
+          </p:cNvPr>
+          <p:cNvCxnSpPr>
+            <a:cxnSpLocks/>
+          </p:cNvCxnSpPr>
+          <p:nvPr/>
+        </p:nvCxnSpPr>
+        <p:spPr>
+          <a:xfrm>
+            <a:off x="7039989" y="1315005"/>
+            <a:ext cx="1828803" cy="6458"/>
+          </a:xfrm>
+          <a:prstGeom prst="straightConnector1">
+            <a:avLst/>
+          </a:prstGeom>
+          <a:ln w="57150">
+            <a:solidFill>
+              <a:schemeClr val="bg2">
+                <a:lumMod val="90000"/>
+              </a:schemeClr>
+            </a:solidFill>
+            <a:tailEnd type="triangle"/>
+          </a:ln>
+        </p:spPr>
+        <p:style>
+          <a:lnRef idx="1">
+            <a:schemeClr val="accent1"/>
+          </a:lnRef>
+          <a:fillRef idx="0">
+            <a:schemeClr val="accent1"/>
+          </a:fillRef>
+          <a:effectRef idx="0">
+            <a:schemeClr val="accent1"/>
+          </a:effectRef>
+          <a:fontRef idx="minor">
+            <a:schemeClr val="tx1"/>
+          </a:fontRef>
+        </p:style>
+      </p:cxnSp>
+      <p:cxnSp>
+        <p:nvCxnSpPr>
+          <p:cNvPr id="40" name="Straight Arrow Connector 39">
+            <a:extLst>
+              <a:ext uri="{FF2B5EF4-FFF2-40B4-BE49-F238E27FC236}">
+                <a16:creationId xmlns:a16="http://schemas.microsoft.com/office/drawing/2014/main" id="{7A3DE0EF-B3C8-4816-BCAC-6F6E7BC71705}"/>
+              </a:ext>
+            </a:extLst>
+          </p:cNvPr>
+          <p:cNvCxnSpPr>
+            <a:cxnSpLocks/>
+          </p:cNvCxnSpPr>
+          <p:nvPr/>
+        </p:nvCxnSpPr>
+        <p:spPr>
+          <a:xfrm flipV="1">
+            <a:off x="7039990" y="3392580"/>
+            <a:ext cx="1828802" cy="6459"/>
+          </a:xfrm>
+          <a:prstGeom prst="straightConnector1">
+            <a:avLst/>
+          </a:prstGeom>
+          <a:ln w="57150">
+            <a:solidFill>
+              <a:schemeClr val="bg2">
+                <a:lumMod val="90000"/>
+              </a:schemeClr>
+            </a:solidFill>
+            <a:tailEnd type="triangle"/>
+          </a:ln>
+        </p:spPr>
+        <p:style>
+          <a:lnRef idx="1">
+            <a:schemeClr val="accent1"/>
+          </a:lnRef>
+          <a:fillRef idx="0">
+            <a:schemeClr val="accent1"/>
+          </a:fillRef>
+          <a:effectRef idx="0">
+            <a:schemeClr val="accent1"/>
+          </a:effectRef>
+          <a:fontRef idx="minor">
+            <a:schemeClr val="tx1"/>
+          </a:fontRef>
+        </p:style>
+      </p:cxnSp>
+      <p:cxnSp>
+        <p:nvCxnSpPr>
+          <p:cNvPr id="43" name="Straight Arrow Connector 42">
+            <a:extLst>
+              <a:ext uri="{FF2B5EF4-FFF2-40B4-BE49-F238E27FC236}">
+                <a16:creationId xmlns:a16="http://schemas.microsoft.com/office/drawing/2014/main" id="{5439F3D8-48AD-4139-9341-371B92C84A95}"/>
+              </a:ext>
+            </a:extLst>
+          </p:cNvPr>
+          <p:cNvCxnSpPr>
+            <a:cxnSpLocks/>
+            <a:stCxn id="17" idx="4"/>
+          </p:cNvCxnSpPr>
+          <p:nvPr/>
+        </p:nvCxnSpPr>
+        <p:spPr>
+          <a:xfrm flipH="1">
+            <a:off x="9948908" y="3853573"/>
+            <a:ext cx="1" cy="762815"/>
+          </a:xfrm>
+          <a:prstGeom prst="straightConnector1">
+            <a:avLst/>
+          </a:prstGeom>
+          <a:ln w="57150">
+            <a:solidFill>
+              <a:schemeClr val="bg2">
+                <a:lumMod val="90000"/>
+              </a:schemeClr>
+            </a:solidFill>
+            <a:tailEnd type="triangle"/>
+          </a:ln>
+        </p:spPr>
+        <p:style>
+          <a:lnRef idx="1">
+            <a:schemeClr val="accent1"/>
+          </a:lnRef>
+          <a:fillRef idx="0">
+            <a:schemeClr val="accent1"/>
+          </a:fillRef>
+          <a:effectRef idx="0">
+            <a:schemeClr val="accent1"/>
+          </a:effectRef>
+          <a:fontRef idx="minor">
+            <a:schemeClr val="tx1"/>
+          </a:fontRef>
+        </p:style>
+      </p:cxnSp>
+      <p:grpSp>
+        <p:nvGrpSpPr>
+          <p:cNvPr id="45" name="Group 44">
+            <a:extLst>
+              <a:ext uri="{FF2B5EF4-FFF2-40B4-BE49-F238E27FC236}">
+                <a16:creationId xmlns:a16="http://schemas.microsoft.com/office/drawing/2014/main" id="{756990A2-CA42-4861-9BC1-EA97E9E40142}"/>
+              </a:ext>
+            </a:extLst>
+          </p:cNvPr>
+          <p:cNvGrpSpPr/>
+          <p:nvPr/>
+        </p:nvGrpSpPr>
+        <p:grpSpPr>
+          <a:xfrm>
+            <a:off x="899604" y="4487662"/>
+            <a:ext cx="2539013" cy="1074859"/>
+            <a:chOff x="870012" y="3330606"/>
+            <a:chExt cx="2618912" cy="1269506"/>
+          </a:xfrm>
+          <a:solidFill>
+            <a:schemeClr val="accent1">
+              <a:lumMod val="60000"/>
+              <a:lumOff val="40000"/>
+            </a:schemeClr>
+          </a:solidFill>
+        </p:grpSpPr>
+        <p:sp>
+          <p:nvSpPr>
+            <p:cNvPr id="46" name="Rectangle 45">
+              <a:extLst>
+                <a:ext uri="{FF2B5EF4-FFF2-40B4-BE49-F238E27FC236}">
+                  <a16:creationId xmlns:a16="http://schemas.microsoft.com/office/drawing/2014/main" id="{4124BF56-81E5-4193-95BD-07009A0E8FB4}"/>
+                </a:ext>
+              </a:extLst>
+            </p:cNvPr>
+            <p:cNvSpPr/>
+            <p:nvPr/>
+          </p:nvSpPr>
+          <p:spPr>
+            <a:xfrm>
+              <a:off x="870012" y="3330606"/>
+              <a:ext cx="2618912" cy="1269506"/>
+            </a:xfrm>
+            <a:prstGeom prst="rect">
+              <a:avLst/>
+            </a:prstGeom>
+            <a:grpFill/>
+            <a:ln>
+              <a:solidFill>
+                <a:schemeClr val="bg2">
+                  <a:lumMod val="90000"/>
+                </a:schemeClr>
+              </a:solidFill>
+            </a:ln>
+          </p:spPr>
+          <p:style>
+            <a:lnRef idx="2">
+              <a:schemeClr val="accent1">
+                <a:shade val="50000"/>
+              </a:schemeClr>
+            </a:lnRef>
+            <a:fillRef idx="1">
+              <a:schemeClr val="accent1"/>
+            </a:fillRef>
+            <a:effectRef idx="0">
+              <a:schemeClr val="accent1"/>
+            </a:effectRef>
+            <a:fontRef idx="minor">
+              <a:schemeClr val="lt1"/>
+            </a:fontRef>
+          </p:style>
+          <p:txBody>
+            <a:bodyPr rtlCol="0" anchor="ctr"/>
+            <a:lstStyle/>
+            <a:p>
+              <a:pPr algn="ctr"/>
+              <a:endParaRPr lang="en-US" dirty="0"/>
+            </a:p>
+          </p:txBody>
+        </p:sp>
+        <p:sp>
+          <p:nvSpPr>
+            <p:cNvPr id="47" name="TextBox 46">
+              <a:extLst>
+                <a:ext uri="{FF2B5EF4-FFF2-40B4-BE49-F238E27FC236}">
+                  <a16:creationId xmlns:a16="http://schemas.microsoft.com/office/drawing/2014/main" id="{FC3B88E7-C045-4A46-8E3C-FB17739F2EE6}"/>
+                </a:ext>
+              </a:extLst>
+            </p:cNvPr>
+            <p:cNvSpPr txBox="1"/>
+            <p:nvPr/>
+          </p:nvSpPr>
+          <p:spPr>
+            <a:xfrm>
+              <a:off x="1105817" y="3628456"/>
+              <a:ext cx="2184705" cy="617970"/>
+            </a:xfrm>
+            <a:prstGeom prst="rect">
+              <a:avLst/>
+            </a:prstGeom>
+            <a:grpFill/>
+          </p:spPr>
+          <p:txBody>
+            <a:bodyPr wrap="square" rtlCol="0">
+              <a:spAutoFit/>
+            </a:bodyPr>
+            <a:lstStyle/>
+            <a:p>
+              <a:pPr algn="ctr"/>
+              <a:r>
+                <a:rPr lang="en-US" sz="2800" dirty="0"/>
+                <a:t>new instance</a:t>
+              </a:r>
+            </a:p>
+          </p:txBody>
+        </p:sp>
+      </p:grpSp>
+      <p:grpSp>
+        <p:nvGrpSpPr>
+          <p:cNvPr id="48" name="Group 47">
+            <a:extLst>
+              <a:ext uri="{FF2B5EF4-FFF2-40B4-BE49-F238E27FC236}">
+                <a16:creationId xmlns:a16="http://schemas.microsoft.com/office/drawing/2014/main" id="{407E52BF-1796-4EEF-8105-5D9F4BE97DB2}"/>
+              </a:ext>
+            </a:extLst>
+          </p:cNvPr>
+          <p:cNvGrpSpPr/>
+          <p:nvPr/>
+        </p:nvGrpSpPr>
+        <p:grpSpPr>
+          <a:xfrm>
+            <a:off x="4749557" y="4487661"/>
+            <a:ext cx="2308193" cy="1272321"/>
+            <a:chOff x="5344357" y="710214"/>
+            <a:chExt cx="2077375" cy="1269506"/>
+          </a:xfrm>
+          <a:solidFill>
+            <a:schemeClr val="accent1">
+              <a:lumMod val="60000"/>
+              <a:lumOff val="40000"/>
+            </a:schemeClr>
+          </a:solidFill>
+        </p:grpSpPr>
+        <p:sp>
+          <p:nvSpPr>
+            <p:cNvPr id="49" name="TextBox 48">
+              <a:extLst>
+                <a:ext uri="{FF2B5EF4-FFF2-40B4-BE49-F238E27FC236}">
+                  <a16:creationId xmlns:a16="http://schemas.microsoft.com/office/drawing/2014/main" id="{D8089539-C52F-4CF6-BA69-F80A55AFFABD}"/>
+                </a:ext>
+              </a:extLst>
+            </p:cNvPr>
+            <p:cNvSpPr txBox="1"/>
+            <p:nvPr/>
+          </p:nvSpPr>
+          <p:spPr>
+            <a:xfrm>
+              <a:off x="5344357" y="710214"/>
+              <a:ext cx="2077375" cy="1269506"/>
+            </a:xfrm>
+            <a:prstGeom prst="rect">
+              <a:avLst/>
+            </a:prstGeom>
+            <a:grpFill/>
+          </p:spPr>
+          <p:txBody>
+            <a:bodyPr wrap="square" rtlCol="0">
+              <a:spAutoFit/>
+            </a:bodyPr>
+            <a:lstStyle/>
+            <a:p>
+              <a:endParaRPr lang="en-US" dirty="0"/>
+            </a:p>
+          </p:txBody>
+        </p:sp>
+        <p:sp>
+          <p:nvSpPr>
+            <p:cNvPr id="50" name="TextBox 49">
+              <a:extLst>
+                <a:ext uri="{FF2B5EF4-FFF2-40B4-BE49-F238E27FC236}">
+                  <a16:creationId xmlns:a16="http://schemas.microsoft.com/office/drawing/2014/main" id="{E1F64840-712C-4C5D-9798-FC1093CD85E2}"/>
+                </a:ext>
+              </a:extLst>
+            </p:cNvPr>
+            <p:cNvSpPr txBox="1"/>
+            <p:nvPr/>
+          </p:nvSpPr>
+          <p:spPr>
+            <a:xfrm>
+              <a:off x="5663954" y="874692"/>
+              <a:ext cx="1757778" cy="954107"/>
+            </a:xfrm>
+            <a:prstGeom prst="rect">
+              <a:avLst/>
+            </a:prstGeom>
+            <a:grpFill/>
+          </p:spPr>
+          <p:txBody>
+            <a:bodyPr wrap="square" rtlCol="0">
+              <a:spAutoFit/>
+            </a:bodyPr>
+            <a:lstStyle/>
+            <a:p>
+              <a:r>
+                <a:rPr lang="en-US" sz="2800" dirty="0"/>
+                <a:t>calculate features</a:t>
+              </a:r>
+            </a:p>
+          </p:txBody>
+        </p:sp>
+      </p:grpSp>
+      <p:cxnSp>
+        <p:nvCxnSpPr>
+          <p:cNvPr id="51" name="Straight Arrow Connector 50">
+            <a:extLst>
+              <a:ext uri="{FF2B5EF4-FFF2-40B4-BE49-F238E27FC236}">
+                <a16:creationId xmlns:a16="http://schemas.microsoft.com/office/drawing/2014/main" id="{98AA9B32-529A-482C-96D4-3A8A657B5597}"/>
+              </a:ext>
+            </a:extLst>
+          </p:cNvPr>
+          <p:cNvCxnSpPr>
+            <a:cxnSpLocks/>
+          </p:cNvCxnSpPr>
+          <p:nvPr/>
+        </p:nvCxnSpPr>
+        <p:spPr>
+          <a:xfrm flipV="1">
+            <a:off x="3432700" y="5027427"/>
+            <a:ext cx="1322775" cy="2"/>
+          </a:xfrm>
+          <a:prstGeom prst="straightConnector1">
+            <a:avLst/>
+          </a:prstGeom>
+          <a:ln w="57150">
+            <a:solidFill>
+              <a:schemeClr val="accent1">
+                <a:lumMod val="60000"/>
+                <a:lumOff val="40000"/>
+              </a:schemeClr>
+            </a:solidFill>
+            <a:tailEnd type="triangle"/>
+          </a:ln>
+        </p:spPr>
+        <p:style>
+          <a:lnRef idx="1">
+            <a:schemeClr val="accent1"/>
+          </a:lnRef>
+          <a:fillRef idx="0">
+            <a:schemeClr val="accent1"/>
+          </a:fillRef>
+          <a:effectRef idx="0">
+            <a:schemeClr val="accent1"/>
+          </a:effectRef>
+          <a:fontRef idx="minor">
+            <a:schemeClr val="tx1"/>
+          </a:fontRef>
+        </p:style>
+      </p:cxnSp>
+      <p:cxnSp>
+        <p:nvCxnSpPr>
+          <p:cNvPr id="52" name="Straight Arrow Connector 51">
+            <a:extLst>
+              <a:ext uri="{FF2B5EF4-FFF2-40B4-BE49-F238E27FC236}">
+                <a16:creationId xmlns:a16="http://schemas.microsoft.com/office/drawing/2014/main" id="{5DB48F28-F5B7-4F0D-989E-EE5CE192B398}"/>
+              </a:ext>
+            </a:extLst>
+          </p:cNvPr>
+          <p:cNvCxnSpPr>
+            <a:cxnSpLocks/>
+          </p:cNvCxnSpPr>
+          <p:nvPr/>
+        </p:nvCxnSpPr>
+        <p:spPr>
+          <a:xfrm flipV="1">
+            <a:off x="7039989" y="5060995"/>
+            <a:ext cx="1828802" cy="6459"/>
+          </a:xfrm>
+          <a:prstGeom prst="straightConnector1">
+            <a:avLst/>
+          </a:prstGeom>
+          <a:ln w="57150">
+            <a:solidFill>
+              <a:schemeClr val="accent1">
+                <a:lumMod val="60000"/>
+                <a:lumOff val="40000"/>
+              </a:schemeClr>
+            </a:solidFill>
+            <a:tailEnd type="triangle"/>
+          </a:ln>
+        </p:spPr>
+        <p:style>
+          <a:lnRef idx="1">
+            <a:schemeClr val="accent1"/>
+          </a:lnRef>
+          <a:fillRef idx="0">
+            <a:schemeClr val="accent1"/>
+          </a:fillRef>
+          <a:effectRef idx="0">
+            <a:schemeClr val="accent1"/>
+          </a:effectRef>
+          <a:fontRef idx="minor">
+            <a:schemeClr val="tx1"/>
+          </a:fontRef>
+        </p:style>
+      </p:cxnSp>
+      <p:cxnSp>
+        <p:nvCxnSpPr>
+          <p:cNvPr id="53" name="Straight Arrow Connector 52">
+            <a:extLst>
+              <a:ext uri="{FF2B5EF4-FFF2-40B4-BE49-F238E27FC236}">
+                <a16:creationId xmlns:a16="http://schemas.microsoft.com/office/drawing/2014/main" id="{F533E154-9569-475E-8106-87C0A626AE41}"/>
+              </a:ext>
+            </a:extLst>
+          </p:cNvPr>
+          <p:cNvCxnSpPr>
+            <a:cxnSpLocks/>
+          </p:cNvCxnSpPr>
+          <p:nvPr/>
+        </p:nvCxnSpPr>
+        <p:spPr>
+          <a:xfrm flipH="1">
+            <a:off x="9948909" y="5477522"/>
+            <a:ext cx="1" cy="630315"/>
+          </a:xfrm>
+          <a:prstGeom prst="straightConnector1">
+            <a:avLst/>
+          </a:prstGeom>
+          <a:ln w="57150">
+            <a:solidFill>
+              <a:schemeClr val="accent1">
+                <a:lumMod val="60000"/>
+                <a:lumOff val="40000"/>
+              </a:schemeClr>
+            </a:solidFill>
+            <a:tailEnd type="triangle"/>
+          </a:ln>
+        </p:spPr>
+        <p:style>
+          <a:lnRef idx="1">
+            <a:schemeClr val="accent1"/>
+          </a:lnRef>
+          <a:fillRef idx="0">
+            <a:schemeClr val="accent1"/>
+          </a:fillRef>
+          <a:effectRef idx="0">
+            <a:schemeClr val="accent1"/>
+          </a:effectRef>
+          <a:fontRef idx="minor">
+            <a:schemeClr val="tx1"/>
+          </a:fontRef>
+        </p:style>
+      </p:cxnSp>
+      <p:grpSp>
+        <p:nvGrpSpPr>
+          <p:cNvPr id="55" name="Group 54">
+            <a:extLst>
+              <a:ext uri="{FF2B5EF4-FFF2-40B4-BE49-F238E27FC236}">
+                <a16:creationId xmlns:a16="http://schemas.microsoft.com/office/drawing/2014/main" id="{04E2CA2E-28E1-450A-8EAD-906A10983257}"/>
+              </a:ext>
+            </a:extLst>
+          </p:cNvPr>
+          <p:cNvGrpSpPr/>
+          <p:nvPr/>
+        </p:nvGrpSpPr>
+        <p:grpSpPr>
+          <a:xfrm>
+            <a:off x="9170633" y="6107088"/>
+            <a:ext cx="1757779" cy="630315"/>
+            <a:chOff x="5344357" y="710214"/>
+            <a:chExt cx="2077375" cy="1269506"/>
+          </a:xfrm>
+          <a:solidFill>
+            <a:schemeClr val="accent1">
+              <a:lumMod val="60000"/>
+              <a:lumOff val="40000"/>
+            </a:schemeClr>
+          </a:solidFill>
+        </p:grpSpPr>
+        <p:sp>
+          <p:nvSpPr>
+            <p:cNvPr id="56" name="TextBox 55">
+              <a:extLst>
+                <a:ext uri="{FF2B5EF4-FFF2-40B4-BE49-F238E27FC236}">
+                  <a16:creationId xmlns:a16="http://schemas.microsoft.com/office/drawing/2014/main" id="{5559EF23-37DF-4DC0-B61F-DD2CF6EF2C9A}"/>
+                </a:ext>
+              </a:extLst>
+            </p:cNvPr>
+            <p:cNvSpPr txBox="1"/>
+            <p:nvPr/>
+          </p:nvSpPr>
+          <p:spPr>
+            <a:xfrm>
+              <a:off x="5344357" y="710214"/>
+              <a:ext cx="2077375" cy="1269506"/>
+            </a:xfrm>
+            <a:prstGeom prst="rect">
+              <a:avLst/>
+            </a:prstGeom>
+            <a:grpFill/>
+          </p:spPr>
+          <p:txBody>
+            <a:bodyPr wrap="square" rtlCol="0">
+              <a:spAutoFit/>
+            </a:bodyPr>
+            <a:lstStyle/>
+            <a:p>
+              <a:endParaRPr lang="en-US" dirty="0"/>
+            </a:p>
+          </p:txBody>
+        </p:sp>
+        <p:sp>
+          <p:nvSpPr>
+            <p:cNvPr id="57" name="TextBox 56">
+              <a:extLst>
+                <a:ext uri="{FF2B5EF4-FFF2-40B4-BE49-F238E27FC236}">
+                  <a16:creationId xmlns:a16="http://schemas.microsoft.com/office/drawing/2014/main" id="{DE3B40AD-8971-4A5F-8340-1B10B142CBAE}"/>
+                </a:ext>
+              </a:extLst>
+            </p:cNvPr>
+            <p:cNvSpPr txBox="1"/>
+            <p:nvPr/>
+          </p:nvSpPr>
+          <p:spPr>
+            <a:xfrm>
+              <a:off x="5663954" y="874692"/>
+              <a:ext cx="1757778" cy="1053807"/>
+            </a:xfrm>
+            <a:prstGeom prst="rect">
+              <a:avLst/>
+            </a:prstGeom>
+            <a:grpFill/>
+          </p:spPr>
+          <p:txBody>
+            <a:bodyPr wrap="square" rtlCol="0">
+              <a:spAutoFit/>
+            </a:bodyPr>
+            <a:lstStyle/>
+            <a:p>
+              <a:r>
+                <a:rPr lang="en-US" sz="2800" dirty="0"/>
+                <a:t> output</a:t>
+              </a:r>
+            </a:p>
+          </p:txBody>
+        </p:sp>
+      </p:grpSp>
+    </p:spTree>
+    <p:extLst>
+      <p:ext uri="{BB962C8B-B14F-4D97-AF65-F5344CB8AC3E}">
         <p14:creationId xmlns:p14="http://schemas.microsoft.com/office/powerpoint/2010/main" val="1717555099"/>
       </p:ext>
     </p:extLst>
@@ -7049,7 +8419,7 @@
 </p:sld>
 </file>
 
-<file path=ppt/slides/slide5.xml><?xml version="1.0" encoding="utf-8"?>
+<file path=ppt/slides/slide6.xml><?xml version="1.0" encoding="utf-8"?>
 <p:sld xmlns:a="http://schemas.openxmlformats.org/drawingml/2006/main" xmlns:r="http://schemas.openxmlformats.org/officeDocument/2006/relationships" xmlns:p="http://schemas.openxmlformats.org/presentationml/2006/main">
   <p:cSld>
     <p:spTree>
